--- a/Project1/Cancer Incidence and Mortality Project 1.pptx
+++ b/Project1/Cancer Incidence and Mortality Project 1.pptx
@@ -6,12 +6,14 @@
   </p:sldMasterIdLst>
   <p:sldIdLst>
     <p:sldId id="256" r:id="rId2"/>
-    <p:sldId id="257" r:id="rId3"/>
-    <p:sldId id="258" r:id="rId4"/>
-    <p:sldId id="259" r:id="rId5"/>
-    <p:sldId id="260" r:id="rId6"/>
-    <p:sldId id="261" r:id="rId7"/>
-    <p:sldId id="262" r:id="rId8"/>
+    <p:sldId id="258" r:id="rId3"/>
+    <p:sldId id="259" r:id="rId4"/>
+    <p:sldId id="260" r:id="rId5"/>
+    <p:sldId id="261" r:id="rId6"/>
+    <p:sldId id="264" r:id="rId7"/>
+    <p:sldId id="257" r:id="rId8"/>
+    <p:sldId id="263" r:id="rId9"/>
+    <p:sldId id="262" r:id="rId10"/>
   </p:sldIdLst>
   <p:sldSz cx="12192000" cy="6858000"/>
   <p:notesSz cx="6858000" cy="9144000"/>
@@ -110,7 +112,16 @@
       </a:defRPr>
     </a:lvl9pPr>
   </p:defaultTextStyle>
+  <p:extLst>
+    <p:ext uri="{EFAFB233-063F-42B5-8137-9DF3F51BA10A}">
+      <p15:sldGuideLst xmlns:p15="http://schemas.microsoft.com/office/powerpoint/2012/main"/>
+    </p:ext>
+  </p:extLst>
 </p:presentation>
+</file>
+
+<file path=ppt/revisionInfo.xml><?xml version="1.0" encoding="utf-8"?>
+<p1510:revInfo xmlns:a="http://schemas.openxmlformats.org/drawingml/2006/main" xmlns:r="http://schemas.openxmlformats.org/officeDocument/2006/relationships" xmlns:p1510="http://schemas.microsoft.com/office/powerpoint/2015/10/main"/>
 </file>
 
 <file path=ppt/slideLayouts/slideLayout1.xml><?xml version="1.0" encoding="utf-8"?>
@@ -155,10 +166,9 @@
           </a:lstStyle>
           <a:p>
             <a:r>
-              <a:rPr lang="en-US" smtClean="0"/>
+              <a:rPr lang="en-US"/>
               <a:t>Click to edit Master title style</a:t>
             </a:r>
-            <a:endParaRPr lang="en-US"/>
           </a:p>
         </p:txBody>
       </p:sp>
@@ -220,10 +230,9 @@
           </a:lstStyle>
           <a:p>
             <a:r>
-              <a:rPr lang="en-US" smtClean="0"/>
+              <a:rPr lang="en-US"/>
               <a:t>Click to edit Master subtitle style</a:t>
             </a:r>
-            <a:endParaRPr lang="en-US"/>
           </a:p>
         </p:txBody>
       </p:sp>
@@ -244,7 +253,7 @@
           <a:p>
             <a:fld id="{2D34B32B-E5F7-4DAF-BD24-56632D65E8D5}" type="datetimeFigureOut">
               <a:rPr lang="en-US" smtClean="0"/>
-              <a:t>6/14/2019</a:t>
+              <a:t>6/16/2019</a:t>
             </a:fld>
             <a:endParaRPr lang="en-US"/>
           </a:p>
@@ -338,10 +347,9 @@
           <a:lstStyle/>
           <a:p>
             <a:r>
-              <a:rPr lang="en-US" smtClean="0"/>
+              <a:rPr lang="en-US"/>
               <a:t>Click to edit Master title style</a:t>
             </a:r>
-            <a:endParaRPr lang="en-US"/>
           </a:p>
         </p:txBody>
       </p:sp>
@@ -362,38 +370,37 @@
           <a:p>
             <a:pPr lvl="0"/>
             <a:r>
-              <a:rPr lang="en-US" smtClean="0"/>
+              <a:rPr lang="en-US"/>
               <a:t>Edit Master text styles</a:t>
             </a:r>
           </a:p>
           <a:p>
             <a:pPr lvl="1"/>
             <a:r>
-              <a:rPr lang="en-US" smtClean="0"/>
+              <a:rPr lang="en-US"/>
               <a:t>Second level</a:t>
             </a:r>
           </a:p>
           <a:p>
             <a:pPr lvl="2"/>
             <a:r>
-              <a:rPr lang="en-US" smtClean="0"/>
+              <a:rPr lang="en-US"/>
               <a:t>Third level</a:t>
             </a:r>
           </a:p>
           <a:p>
             <a:pPr lvl="3"/>
             <a:r>
-              <a:rPr lang="en-US" smtClean="0"/>
+              <a:rPr lang="en-US"/>
               <a:t>Fourth level</a:t>
             </a:r>
           </a:p>
           <a:p>
             <a:pPr lvl="4"/>
             <a:r>
-              <a:rPr lang="en-US" smtClean="0"/>
+              <a:rPr lang="en-US"/>
               <a:t>Fifth level</a:t>
             </a:r>
-            <a:endParaRPr lang="en-US"/>
           </a:p>
         </p:txBody>
       </p:sp>
@@ -414,7 +421,7 @@
           <a:p>
             <a:fld id="{2D34B32B-E5F7-4DAF-BD24-56632D65E8D5}" type="datetimeFigureOut">
               <a:rPr lang="en-US" smtClean="0"/>
-              <a:t>6/14/2019</a:t>
+              <a:t>6/16/2019</a:t>
             </a:fld>
             <a:endParaRPr lang="en-US"/>
           </a:p>
@@ -513,10 +520,9 @@
           <a:lstStyle/>
           <a:p>
             <a:r>
-              <a:rPr lang="en-US" smtClean="0"/>
+              <a:rPr lang="en-US"/>
               <a:t>Click to edit Master title style</a:t>
             </a:r>
-            <a:endParaRPr lang="en-US"/>
           </a:p>
         </p:txBody>
       </p:sp>
@@ -542,38 +548,37 @@
           <a:p>
             <a:pPr lvl="0"/>
             <a:r>
-              <a:rPr lang="en-US" smtClean="0"/>
+              <a:rPr lang="en-US"/>
               <a:t>Edit Master text styles</a:t>
             </a:r>
           </a:p>
           <a:p>
             <a:pPr lvl="1"/>
             <a:r>
-              <a:rPr lang="en-US" smtClean="0"/>
+              <a:rPr lang="en-US"/>
               <a:t>Second level</a:t>
             </a:r>
           </a:p>
           <a:p>
             <a:pPr lvl="2"/>
             <a:r>
-              <a:rPr lang="en-US" smtClean="0"/>
+              <a:rPr lang="en-US"/>
               <a:t>Third level</a:t>
             </a:r>
           </a:p>
           <a:p>
             <a:pPr lvl="3"/>
             <a:r>
-              <a:rPr lang="en-US" smtClean="0"/>
+              <a:rPr lang="en-US"/>
               <a:t>Fourth level</a:t>
             </a:r>
           </a:p>
           <a:p>
             <a:pPr lvl="4"/>
             <a:r>
-              <a:rPr lang="en-US" smtClean="0"/>
+              <a:rPr lang="en-US"/>
               <a:t>Fifth level</a:t>
             </a:r>
-            <a:endParaRPr lang="en-US"/>
           </a:p>
         </p:txBody>
       </p:sp>
@@ -594,7 +599,7 @@
           <a:p>
             <a:fld id="{2D34B32B-E5F7-4DAF-BD24-56632D65E8D5}" type="datetimeFigureOut">
               <a:rPr lang="en-US" smtClean="0"/>
-              <a:t>6/14/2019</a:t>
+              <a:t>6/16/2019</a:t>
             </a:fld>
             <a:endParaRPr lang="en-US"/>
           </a:p>
@@ -688,10 +693,9 @@
           <a:lstStyle/>
           <a:p>
             <a:r>
-              <a:rPr lang="en-US" smtClean="0"/>
+              <a:rPr lang="en-US"/>
               <a:t>Click to edit Master title style</a:t>
             </a:r>
-            <a:endParaRPr lang="en-US"/>
           </a:p>
         </p:txBody>
       </p:sp>
@@ -712,38 +716,37 @@
           <a:p>
             <a:pPr lvl="0"/>
             <a:r>
-              <a:rPr lang="en-US" smtClean="0"/>
+              <a:rPr lang="en-US"/>
               <a:t>Edit Master text styles</a:t>
             </a:r>
           </a:p>
           <a:p>
             <a:pPr lvl="1"/>
             <a:r>
-              <a:rPr lang="en-US" smtClean="0"/>
+              <a:rPr lang="en-US"/>
               <a:t>Second level</a:t>
             </a:r>
           </a:p>
           <a:p>
             <a:pPr lvl="2"/>
             <a:r>
-              <a:rPr lang="en-US" smtClean="0"/>
+              <a:rPr lang="en-US"/>
               <a:t>Third level</a:t>
             </a:r>
           </a:p>
           <a:p>
             <a:pPr lvl="3"/>
             <a:r>
-              <a:rPr lang="en-US" smtClean="0"/>
+              <a:rPr lang="en-US"/>
               <a:t>Fourth level</a:t>
             </a:r>
           </a:p>
           <a:p>
             <a:pPr lvl="4"/>
             <a:r>
-              <a:rPr lang="en-US" smtClean="0"/>
+              <a:rPr lang="en-US"/>
               <a:t>Fifth level</a:t>
             </a:r>
-            <a:endParaRPr lang="en-US"/>
           </a:p>
         </p:txBody>
       </p:sp>
@@ -764,7 +767,7 @@
           <a:p>
             <a:fld id="{2D34B32B-E5F7-4DAF-BD24-56632D65E8D5}" type="datetimeFigureOut">
               <a:rPr lang="en-US" smtClean="0"/>
-              <a:t>6/14/2019</a:t>
+              <a:t>6/16/2019</a:t>
             </a:fld>
             <a:endParaRPr lang="en-US"/>
           </a:p>
@@ -867,10 +870,9 @@
           </a:lstStyle>
           <a:p>
             <a:r>
-              <a:rPr lang="en-US" smtClean="0"/>
+              <a:rPr lang="en-US"/>
               <a:t>Click to edit Master title style</a:t>
             </a:r>
-            <a:endParaRPr lang="en-US"/>
           </a:p>
         </p:txBody>
       </p:sp>
@@ -987,7 +989,7 @@
           <a:p>
             <a:pPr lvl="0"/>
             <a:r>
-              <a:rPr lang="en-US" smtClean="0"/>
+              <a:rPr lang="en-US"/>
               <a:t>Edit Master text styles</a:t>
             </a:r>
           </a:p>
@@ -1010,7 +1012,7 @@
           <a:p>
             <a:fld id="{2D34B32B-E5F7-4DAF-BD24-56632D65E8D5}" type="datetimeFigureOut">
               <a:rPr lang="en-US" smtClean="0"/>
-              <a:t>6/14/2019</a:t>
+              <a:t>6/16/2019</a:t>
             </a:fld>
             <a:endParaRPr lang="en-US"/>
           </a:p>
@@ -1104,10 +1106,9 @@
           <a:lstStyle/>
           <a:p>
             <a:r>
-              <a:rPr lang="en-US" smtClean="0"/>
+              <a:rPr lang="en-US"/>
               <a:t>Click to edit Master title style</a:t>
             </a:r>
-            <a:endParaRPr lang="en-US"/>
           </a:p>
         </p:txBody>
       </p:sp>
@@ -1133,38 +1134,37 @@
           <a:p>
             <a:pPr lvl="0"/>
             <a:r>
-              <a:rPr lang="en-US" smtClean="0"/>
+              <a:rPr lang="en-US"/>
               <a:t>Edit Master text styles</a:t>
             </a:r>
           </a:p>
           <a:p>
             <a:pPr lvl="1"/>
             <a:r>
-              <a:rPr lang="en-US" smtClean="0"/>
+              <a:rPr lang="en-US"/>
               <a:t>Second level</a:t>
             </a:r>
           </a:p>
           <a:p>
             <a:pPr lvl="2"/>
             <a:r>
-              <a:rPr lang="en-US" smtClean="0"/>
+              <a:rPr lang="en-US"/>
               <a:t>Third level</a:t>
             </a:r>
           </a:p>
           <a:p>
             <a:pPr lvl="3"/>
             <a:r>
-              <a:rPr lang="en-US" smtClean="0"/>
+              <a:rPr lang="en-US"/>
               <a:t>Fourth level</a:t>
             </a:r>
           </a:p>
           <a:p>
             <a:pPr lvl="4"/>
             <a:r>
-              <a:rPr lang="en-US" smtClean="0"/>
+              <a:rPr lang="en-US"/>
               <a:t>Fifth level</a:t>
             </a:r>
-            <a:endParaRPr lang="en-US"/>
           </a:p>
         </p:txBody>
       </p:sp>
@@ -1190,38 +1190,37 @@
           <a:p>
             <a:pPr lvl="0"/>
             <a:r>
-              <a:rPr lang="en-US" smtClean="0"/>
+              <a:rPr lang="en-US"/>
               <a:t>Edit Master text styles</a:t>
             </a:r>
           </a:p>
           <a:p>
             <a:pPr lvl="1"/>
             <a:r>
-              <a:rPr lang="en-US" smtClean="0"/>
+              <a:rPr lang="en-US"/>
               <a:t>Second level</a:t>
             </a:r>
           </a:p>
           <a:p>
             <a:pPr lvl="2"/>
             <a:r>
-              <a:rPr lang="en-US" smtClean="0"/>
+              <a:rPr lang="en-US"/>
               <a:t>Third level</a:t>
             </a:r>
           </a:p>
           <a:p>
             <a:pPr lvl="3"/>
             <a:r>
-              <a:rPr lang="en-US" smtClean="0"/>
+              <a:rPr lang="en-US"/>
               <a:t>Fourth level</a:t>
             </a:r>
           </a:p>
           <a:p>
             <a:pPr lvl="4"/>
             <a:r>
-              <a:rPr lang="en-US" smtClean="0"/>
+              <a:rPr lang="en-US"/>
               <a:t>Fifth level</a:t>
             </a:r>
-            <a:endParaRPr lang="en-US"/>
           </a:p>
         </p:txBody>
       </p:sp>
@@ -1242,7 +1241,7 @@
           <a:p>
             <a:fld id="{2D34B32B-E5F7-4DAF-BD24-56632D65E8D5}" type="datetimeFigureOut">
               <a:rPr lang="en-US" smtClean="0"/>
-              <a:t>6/14/2019</a:t>
+              <a:t>6/16/2019</a:t>
             </a:fld>
             <a:endParaRPr lang="en-US"/>
           </a:p>
@@ -1341,10 +1340,9 @@
           <a:lstStyle/>
           <a:p>
             <a:r>
-              <a:rPr lang="en-US" smtClean="0"/>
+              <a:rPr lang="en-US"/>
               <a:t>Click to edit Master title style</a:t>
             </a:r>
-            <a:endParaRPr lang="en-US"/>
           </a:p>
         </p:txBody>
       </p:sp>
@@ -1407,7 +1405,7 @@
           <a:p>
             <a:pPr lvl="0"/>
             <a:r>
-              <a:rPr lang="en-US" smtClean="0"/>
+              <a:rPr lang="en-US"/>
               <a:t>Edit Master text styles</a:t>
             </a:r>
           </a:p>
@@ -1435,38 +1433,37 @@
           <a:p>
             <a:pPr lvl="0"/>
             <a:r>
-              <a:rPr lang="en-US" smtClean="0"/>
+              <a:rPr lang="en-US"/>
               <a:t>Edit Master text styles</a:t>
             </a:r>
           </a:p>
           <a:p>
             <a:pPr lvl="1"/>
             <a:r>
-              <a:rPr lang="en-US" smtClean="0"/>
+              <a:rPr lang="en-US"/>
               <a:t>Second level</a:t>
             </a:r>
           </a:p>
           <a:p>
             <a:pPr lvl="2"/>
             <a:r>
-              <a:rPr lang="en-US" smtClean="0"/>
+              <a:rPr lang="en-US"/>
               <a:t>Third level</a:t>
             </a:r>
           </a:p>
           <a:p>
             <a:pPr lvl="3"/>
             <a:r>
-              <a:rPr lang="en-US" smtClean="0"/>
+              <a:rPr lang="en-US"/>
               <a:t>Fourth level</a:t>
             </a:r>
           </a:p>
           <a:p>
             <a:pPr lvl="4"/>
             <a:r>
-              <a:rPr lang="en-US" smtClean="0"/>
+              <a:rPr lang="en-US"/>
               <a:t>Fifth level</a:t>
             </a:r>
-            <a:endParaRPr lang="en-US"/>
           </a:p>
         </p:txBody>
       </p:sp>
@@ -1529,7 +1526,7 @@
           <a:p>
             <a:pPr lvl="0"/>
             <a:r>
-              <a:rPr lang="en-US" smtClean="0"/>
+              <a:rPr lang="en-US"/>
               <a:t>Edit Master text styles</a:t>
             </a:r>
           </a:p>
@@ -1557,38 +1554,37 @@
           <a:p>
             <a:pPr lvl="0"/>
             <a:r>
-              <a:rPr lang="en-US" smtClean="0"/>
+              <a:rPr lang="en-US"/>
               <a:t>Edit Master text styles</a:t>
             </a:r>
           </a:p>
           <a:p>
             <a:pPr lvl="1"/>
             <a:r>
-              <a:rPr lang="en-US" smtClean="0"/>
+              <a:rPr lang="en-US"/>
               <a:t>Second level</a:t>
             </a:r>
           </a:p>
           <a:p>
             <a:pPr lvl="2"/>
             <a:r>
-              <a:rPr lang="en-US" smtClean="0"/>
+              <a:rPr lang="en-US"/>
               <a:t>Third level</a:t>
             </a:r>
           </a:p>
           <a:p>
             <a:pPr lvl="3"/>
             <a:r>
-              <a:rPr lang="en-US" smtClean="0"/>
+              <a:rPr lang="en-US"/>
               <a:t>Fourth level</a:t>
             </a:r>
           </a:p>
           <a:p>
             <a:pPr lvl="4"/>
             <a:r>
-              <a:rPr lang="en-US" smtClean="0"/>
+              <a:rPr lang="en-US"/>
               <a:t>Fifth level</a:t>
             </a:r>
-            <a:endParaRPr lang="en-US"/>
           </a:p>
         </p:txBody>
       </p:sp>
@@ -1609,7 +1605,7 @@
           <a:p>
             <a:fld id="{2D34B32B-E5F7-4DAF-BD24-56632D65E8D5}" type="datetimeFigureOut">
               <a:rPr lang="en-US" smtClean="0"/>
-              <a:t>6/14/2019</a:t>
+              <a:t>6/16/2019</a:t>
             </a:fld>
             <a:endParaRPr lang="en-US"/>
           </a:p>
@@ -1703,10 +1699,9 @@
           <a:lstStyle/>
           <a:p>
             <a:r>
-              <a:rPr lang="en-US" smtClean="0"/>
+              <a:rPr lang="en-US"/>
               <a:t>Click to edit Master title style</a:t>
             </a:r>
-            <a:endParaRPr lang="en-US"/>
           </a:p>
         </p:txBody>
       </p:sp>
@@ -1727,7 +1722,7 @@
           <a:p>
             <a:fld id="{2D34B32B-E5F7-4DAF-BD24-56632D65E8D5}" type="datetimeFigureOut">
               <a:rPr lang="en-US" smtClean="0"/>
-              <a:t>6/14/2019</a:t>
+              <a:t>6/16/2019</a:t>
             </a:fld>
             <a:endParaRPr lang="en-US"/>
           </a:p>
@@ -1822,7 +1817,7 @@
           <a:p>
             <a:fld id="{2D34B32B-E5F7-4DAF-BD24-56632D65E8D5}" type="datetimeFigureOut">
               <a:rPr lang="en-US" smtClean="0"/>
-              <a:t>6/14/2019</a:t>
+              <a:t>6/16/2019</a:t>
             </a:fld>
             <a:endParaRPr lang="en-US"/>
           </a:p>
@@ -1925,10 +1920,9 @@
           </a:lstStyle>
           <a:p>
             <a:r>
-              <a:rPr lang="en-US" smtClean="0"/>
+              <a:rPr lang="en-US"/>
               <a:t>Click to edit Master title style</a:t>
             </a:r>
-            <a:endParaRPr lang="en-US"/>
           </a:p>
         </p:txBody>
       </p:sp>
@@ -1982,38 +1976,37 @@
           <a:p>
             <a:pPr lvl="0"/>
             <a:r>
-              <a:rPr lang="en-US" smtClean="0"/>
+              <a:rPr lang="en-US"/>
               <a:t>Edit Master text styles</a:t>
             </a:r>
           </a:p>
           <a:p>
             <a:pPr lvl="1"/>
             <a:r>
-              <a:rPr lang="en-US" smtClean="0"/>
+              <a:rPr lang="en-US"/>
               <a:t>Second level</a:t>
             </a:r>
           </a:p>
           <a:p>
             <a:pPr lvl="2"/>
             <a:r>
-              <a:rPr lang="en-US" smtClean="0"/>
+              <a:rPr lang="en-US"/>
               <a:t>Third level</a:t>
             </a:r>
           </a:p>
           <a:p>
             <a:pPr lvl="3"/>
             <a:r>
-              <a:rPr lang="en-US" smtClean="0"/>
+              <a:rPr lang="en-US"/>
               <a:t>Fourth level</a:t>
             </a:r>
           </a:p>
           <a:p>
             <a:pPr lvl="4"/>
             <a:r>
-              <a:rPr lang="en-US" smtClean="0"/>
+              <a:rPr lang="en-US"/>
               <a:t>Fifth level</a:t>
             </a:r>
-            <a:endParaRPr lang="en-US"/>
           </a:p>
         </p:txBody>
       </p:sp>
@@ -2076,7 +2069,7 @@
           <a:p>
             <a:pPr lvl="0"/>
             <a:r>
-              <a:rPr lang="en-US" smtClean="0"/>
+              <a:rPr lang="en-US"/>
               <a:t>Edit Master text styles</a:t>
             </a:r>
           </a:p>
@@ -2099,7 +2092,7 @@
           <a:p>
             <a:fld id="{2D34B32B-E5F7-4DAF-BD24-56632D65E8D5}" type="datetimeFigureOut">
               <a:rPr lang="en-US" smtClean="0"/>
-              <a:t>6/14/2019</a:t>
+              <a:t>6/16/2019</a:t>
             </a:fld>
             <a:endParaRPr lang="en-US"/>
           </a:p>
@@ -2202,10 +2195,9 @@
           </a:lstStyle>
           <a:p>
             <a:r>
-              <a:rPr lang="en-US" smtClean="0"/>
+              <a:rPr lang="en-US"/>
               <a:t>Click to edit Master title style</a:t>
             </a:r>
-            <a:endParaRPr lang="en-US"/>
           </a:p>
         </p:txBody>
       </p:sp>
@@ -2329,7 +2321,7 @@
           <a:p>
             <a:pPr lvl="0"/>
             <a:r>
-              <a:rPr lang="en-US" smtClean="0"/>
+              <a:rPr lang="en-US"/>
               <a:t>Edit Master text styles</a:t>
             </a:r>
           </a:p>
@@ -2352,7 +2344,7 @@
           <a:p>
             <a:fld id="{2D34B32B-E5F7-4DAF-BD24-56632D65E8D5}" type="datetimeFigureOut">
               <a:rPr lang="en-US" smtClean="0"/>
-              <a:t>6/14/2019</a:t>
+              <a:t>6/16/2019</a:t>
             </a:fld>
             <a:endParaRPr lang="en-US"/>
           </a:p>
@@ -2461,10 +2453,9 @@
           <a:lstStyle/>
           <a:p>
             <a:r>
-              <a:rPr lang="en-US" smtClean="0"/>
+              <a:rPr lang="en-US"/>
               <a:t>Click to edit Master title style</a:t>
             </a:r>
-            <a:endParaRPr lang="en-US"/>
           </a:p>
         </p:txBody>
       </p:sp>
@@ -2495,38 +2486,37 @@
           <a:p>
             <a:pPr lvl="0"/>
             <a:r>
-              <a:rPr lang="en-US" smtClean="0"/>
+              <a:rPr lang="en-US"/>
               <a:t>Edit Master text styles</a:t>
             </a:r>
           </a:p>
           <a:p>
             <a:pPr lvl="1"/>
             <a:r>
-              <a:rPr lang="en-US" smtClean="0"/>
+              <a:rPr lang="en-US"/>
               <a:t>Second level</a:t>
             </a:r>
           </a:p>
           <a:p>
             <a:pPr lvl="2"/>
             <a:r>
-              <a:rPr lang="en-US" smtClean="0"/>
+              <a:rPr lang="en-US"/>
               <a:t>Third level</a:t>
             </a:r>
           </a:p>
           <a:p>
             <a:pPr lvl="3"/>
             <a:r>
-              <a:rPr lang="en-US" smtClean="0"/>
+              <a:rPr lang="en-US"/>
               <a:t>Fourth level</a:t>
             </a:r>
           </a:p>
           <a:p>
             <a:pPr lvl="4"/>
             <a:r>
-              <a:rPr lang="en-US" smtClean="0"/>
+              <a:rPr lang="en-US"/>
               <a:t>Fifth level</a:t>
             </a:r>
-            <a:endParaRPr lang="en-US"/>
           </a:p>
         </p:txBody>
       </p:sp>
@@ -2565,7 +2555,7 @@
           <a:p>
             <a:fld id="{2D34B32B-E5F7-4DAF-BD24-56632D65E8D5}" type="datetimeFigureOut">
               <a:rPr lang="en-US" smtClean="0"/>
-              <a:t>6/14/2019</a:t>
+              <a:t>6/16/2019</a:t>
             </a:fld>
             <a:endParaRPr lang="en-US"/>
           </a:p>
@@ -2993,7 +2983,7 @@
           <a:lstStyle/>
           <a:p>
             <a:r>
-              <a:rPr lang="en-US" sz="4400" b="1" dirty="0" smtClean="0">
+              <a:rPr lang="en-US" sz="4400" b="1" dirty="0">
                 <a:solidFill>
                   <a:srgbClr val="0070C0"/>
                 </a:solidFill>
@@ -3001,12 +2991,6 @@
               </a:rPr>
               <a:t>US Cancer Incidence and Mortality</a:t>
             </a:r>
-            <a:endParaRPr lang="en-US" sz="4400" b="1" dirty="0">
-              <a:solidFill>
-                <a:srgbClr val="0070C0"/>
-              </a:solidFill>
-              <a:latin typeface="Bodoni MT" panose="02070603080606020203" pitchFamily="18" charset="0"/>
-            </a:endParaRPr>
           </a:p>
         </p:txBody>
       </p:sp>
@@ -3034,7 +3018,7 @@
           <a:p>
             <a:pPr algn="l"/>
             <a:r>
-              <a:rPr lang="en-US" dirty="0" smtClean="0">
+              <a:rPr lang="en-US" dirty="0">
                 <a:latin typeface="Bodoni MT" panose="02070603080606020203" pitchFamily="18" charset="0"/>
               </a:rPr>
               <a:t>Cancer Rate (rate per 100,000 people): This number is represented as a percentage</a:t>
@@ -3043,7 +3027,7 @@
           <a:p>
             <a:pPr algn="l"/>
             <a:r>
-              <a:rPr lang="en-US" dirty="0" smtClean="0">
+              <a:rPr lang="en-US" dirty="0">
                 <a:latin typeface="Bodoni MT" panose="02070603080606020203" pitchFamily="18" charset="0"/>
               </a:rPr>
               <a:t>	Rate of cancer diagnoses</a:t>
@@ -3055,22 +3039,13 @@
               <a:rPr lang="en-US" dirty="0">
                 <a:latin typeface="Bodoni MT" panose="02070603080606020203" pitchFamily="18" charset="0"/>
               </a:rPr>
-              <a:t>	</a:t>
-            </a:r>
-            <a:r>
-              <a:rPr lang="en-US" dirty="0" smtClean="0">
-                <a:latin typeface="Bodoni MT" panose="02070603080606020203" pitchFamily="18" charset="0"/>
-              </a:rPr>
-              <a:t>Rate of cancer deaths</a:t>
-            </a:r>
-            <a:endParaRPr lang="en-US" dirty="0">
-              <a:latin typeface="Bodoni MT" panose="02070603080606020203" pitchFamily="18" charset="0"/>
-            </a:endParaRPr>
+              <a:t>	Rate of cancer deaths</a:t>
+            </a:r>
           </a:p>
           <a:p>
             <a:pPr algn="l"/>
             <a:r>
-              <a:rPr lang="en-US" dirty="0" smtClean="0">
+              <a:rPr lang="en-US" dirty="0">
                 <a:latin typeface="Bodoni MT" panose="02070603080606020203" pitchFamily="18" charset="0"/>
               </a:rPr>
               <a:t>Cancer Case Count</a:t>
@@ -3079,7 +3054,7 @@
           <a:p>
             <a:pPr algn="l"/>
             <a:r>
-              <a:rPr lang="en-US" dirty="0" smtClean="0">
+              <a:rPr lang="en-US" dirty="0">
                 <a:latin typeface="Bodoni MT" panose="02070603080606020203" pitchFamily="18" charset="0"/>
               </a:rPr>
               <a:t>	Cancer Incidence: the number of new cases diagnosed.</a:t>
@@ -3088,7 +3063,7 @@
           <a:p>
             <a:pPr algn="l"/>
             <a:r>
-              <a:rPr lang="en-US" dirty="0" smtClean="0">
+              <a:rPr lang="en-US" dirty="0">
                 <a:latin typeface="Bodoni MT" panose="02070603080606020203" pitchFamily="18" charset="0"/>
               </a:rPr>
               <a:t>	Cancer Mortality: the number of cancer deaths.</a:t>
@@ -3097,7 +3072,7 @@
           <a:p>
             <a:pPr algn="l"/>
             <a:r>
-              <a:rPr lang="en-US" dirty="0" smtClean="0">
+              <a:rPr lang="en-US" dirty="0">
                 <a:latin typeface="Bodoni MT" panose="02070603080606020203" pitchFamily="18" charset="0"/>
               </a:rPr>
               <a:t>Cancer Trends: change over time</a:t>
@@ -3109,13 +3084,7 @@
               <a:rPr lang="en-US" dirty="0">
                 <a:latin typeface="Bodoni MT" panose="02070603080606020203" pitchFamily="18" charset="0"/>
               </a:rPr>
-              <a:t>	</a:t>
-            </a:r>
-            <a:r>
-              <a:rPr lang="en-US" dirty="0" smtClean="0">
-                <a:latin typeface="Bodoni MT" panose="02070603080606020203" pitchFamily="18" charset="0"/>
-              </a:rPr>
-              <a:t>Cancer Rate Trends</a:t>
+              <a:t>	Cancer Rate Trends</a:t>
             </a:r>
           </a:p>
           <a:p>
@@ -3124,19 +3093,13 @@
               <a:rPr lang="en-US" dirty="0">
                 <a:latin typeface="Bodoni MT" panose="02070603080606020203" pitchFamily="18" charset="0"/>
               </a:rPr>
-              <a:t>	</a:t>
-            </a:r>
-            <a:r>
-              <a:rPr lang="en-US" dirty="0" smtClean="0">
-                <a:latin typeface="Bodoni MT" panose="02070603080606020203" pitchFamily="18" charset="0"/>
-              </a:rPr>
-              <a:t>Cancer Case Count Trends</a:t>
+              <a:t>	Cancer Case Count Trends</a:t>
             </a:r>
           </a:p>
           <a:p>
             <a:pPr algn="l"/>
             <a:r>
-              <a:rPr lang="en-US" dirty="0" smtClean="0">
+              <a:rPr lang="en-US" dirty="0">
                 <a:solidFill>
                   <a:srgbClr val="C00000"/>
                 </a:solidFill>
@@ -3144,12 +3107,6 @@
               </a:rPr>
               <a:t>NOTE: It is possible for the rate over time to trend down even though the counts increase during the same timespan. This is due to the increase in population.</a:t>
             </a:r>
-            <a:endParaRPr lang="en-US" dirty="0">
-              <a:solidFill>
-                <a:srgbClr val="C00000"/>
-              </a:solidFill>
-              <a:latin typeface="Bodoni MT" panose="02070603080606020203" pitchFamily="18" charset="0"/>
-            </a:endParaRPr>
           </a:p>
         </p:txBody>
       </p:sp>
@@ -3183,6 +3140,36 @@
           <a:chExt cx="0" cy="0"/>
         </a:xfrm>
       </p:grpSpPr>
+      <p:pic>
+        <p:nvPicPr>
+          <p:cNvPr id="7" name="Picture 6">
+            <a:extLst>
+              <a:ext uri="{FF2B5EF4-FFF2-40B4-BE49-F238E27FC236}">
+                <a16:creationId xmlns:a16="http://schemas.microsoft.com/office/drawing/2014/main" id="{880AFDA4-247D-43AB-96F9-411CFC8C114F}"/>
+              </a:ext>
+            </a:extLst>
+          </p:cNvPr>
+          <p:cNvPicPr>
+            <a:picLocks noChangeAspect="1"/>
+          </p:cNvPicPr>
+          <p:nvPr/>
+        </p:nvPicPr>
+        <p:blipFill>
+          <a:blip r:embed="rId2"/>
+          <a:stretch>
+            <a:fillRect/>
+          </a:stretch>
+        </p:blipFill>
+        <p:spPr>
+          <a:xfrm>
+            <a:off x="3355042" y="1125363"/>
+            <a:ext cx="5601185" cy="5601185"/>
+          </a:xfrm>
+          <a:prstGeom prst="rect">
+            <a:avLst/>
+          </a:prstGeom>
+        </p:spPr>
+      </p:pic>
       <p:sp>
         <p:nvSpPr>
           <p:cNvPr id="2" name="Title 1"/>
@@ -3195,7 +3182,7 @@
         </p:nvSpPr>
         <p:spPr>
           <a:xfrm>
-            <a:off x="714895" y="665019"/>
+            <a:off x="714895" y="372629"/>
             <a:ext cx="10706792" cy="590203"/>
           </a:xfrm>
         </p:spPr>
@@ -3206,7 +3193,7 @@
           <a:lstStyle/>
           <a:p>
             <a:r>
-              <a:rPr lang="en-US" sz="4400" b="1" dirty="0" smtClean="0">
+              <a:rPr lang="en-US" sz="4400" b="1" dirty="0">
                 <a:solidFill>
                   <a:srgbClr val="0070C0"/>
                 </a:solidFill>
@@ -3214,12 +3201,6 @@
               </a:rPr>
               <a:t>US Cancer Incidence and Mortality</a:t>
             </a:r>
-            <a:endParaRPr lang="en-US" sz="4400" b="1" dirty="0">
-              <a:solidFill>
-                <a:srgbClr val="0070C0"/>
-              </a:solidFill>
-              <a:latin typeface="Bodoni MT" panose="02070603080606020203" pitchFamily="18" charset="0"/>
-            </a:endParaRPr>
           </a:p>
         </p:txBody>
       </p:sp>
@@ -3235,8 +3216,8 @@
         </p:nvSpPr>
         <p:spPr>
           <a:xfrm>
-            <a:off x="714895" y="1479665"/>
-            <a:ext cx="10706792" cy="4671753"/>
+            <a:off x="714895" y="962833"/>
+            <a:ext cx="10706792" cy="5188586"/>
           </a:xfrm>
         </p:spPr>
         <p:txBody>
@@ -3246,19 +3227,97 @@
           <a:lstStyle/>
           <a:p>
             <a:pPr algn="l"/>
-            <a:endParaRPr lang="en-US" dirty="0">
-              <a:solidFill>
-                <a:srgbClr val="C00000"/>
-              </a:solidFill>
-              <a:latin typeface="Bodoni MT" panose="02070603080606020203" pitchFamily="18" charset="0"/>
-            </a:endParaRPr>
-          </a:p>
-        </p:txBody>
-      </p:sp>
+            <a:r>
+              <a:rPr lang="en-US" b="1" u="sng" dirty="0">
+                <a:solidFill>
+                  <a:srgbClr val="C00000"/>
+                </a:solidFill>
+                <a:latin typeface="Bodoni MT" panose="02070603080606020203" pitchFamily="18" charset="0"/>
+              </a:rPr>
+              <a:t>Maryland</a:t>
+            </a:r>
+            <a:r>
+              <a:rPr lang="en-US" dirty="0">
+                <a:solidFill>
+                  <a:srgbClr val="C00000"/>
+                </a:solidFill>
+                <a:latin typeface="Bodoni MT" panose="02070603080606020203" pitchFamily="18" charset="0"/>
+              </a:rPr>
+              <a:t>: Top Ten Cancers Causing Deaths </a:t>
+            </a:r>
+          </a:p>
+          <a:p>
+            <a:pPr algn="l"/>
+            <a:r>
+              <a:rPr lang="en-US" dirty="0">
+                <a:solidFill>
+                  <a:srgbClr val="C00000"/>
+                </a:solidFill>
+                <a:latin typeface="Bodoni MT" panose="02070603080606020203" pitchFamily="18" charset="0"/>
+              </a:rPr>
+              <a:t>All Cancers, All Ages, All Races, </a:t>
+            </a:r>
+          </a:p>
+          <a:p>
+            <a:pPr algn="l"/>
+            <a:r>
+              <a:rPr lang="en-US" dirty="0">
+                <a:solidFill>
+                  <a:srgbClr val="C00000"/>
+                </a:solidFill>
+                <a:latin typeface="Bodoni MT" panose="02070603080606020203" pitchFamily="18" charset="0"/>
+              </a:rPr>
+              <a:t>Both Male and Female</a:t>
+            </a:r>
+          </a:p>
+          <a:p>
+            <a:pPr algn="l"/>
+            <a:r>
+              <a:rPr lang="en-US" dirty="0">
+                <a:solidFill>
+                  <a:srgbClr val="C00000"/>
+                </a:solidFill>
+                <a:latin typeface="Bodoni MT" panose="02070603080606020203" pitchFamily="18" charset="0"/>
+              </a:rPr>
+              <a:t>2016</a:t>
+            </a:r>
+          </a:p>
+        </p:txBody>
+      </p:sp>
+      <p:pic>
+        <p:nvPicPr>
+          <p:cNvPr id="8" name="Picture 7">
+            <a:extLst>
+              <a:ext uri="{FF2B5EF4-FFF2-40B4-BE49-F238E27FC236}">
+                <a16:creationId xmlns:a16="http://schemas.microsoft.com/office/drawing/2014/main" id="{EE1249AA-04D2-4438-BE9D-EAAC9ADAAC1C}"/>
+              </a:ext>
+            </a:extLst>
+          </p:cNvPr>
+          <p:cNvPicPr>
+            <a:picLocks noChangeAspect="1"/>
+          </p:cNvPicPr>
+          <p:nvPr/>
+        </p:nvPicPr>
+        <p:blipFill>
+          <a:blip r:embed="rId3"/>
+          <a:stretch>
+            <a:fillRect/>
+          </a:stretch>
+        </p:blipFill>
+        <p:spPr>
+          <a:xfrm>
+            <a:off x="9372600" y="1779104"/>
+            <a:ext cx="2042460" cy="2026997"/>
+          </a:xfrm>
+          <a:prstGeom prst="rect">
+            <a:avLst/>
+          </a:prstGeom>
+        </p:spPr>
+      </p:pic>
     </p:spTree>
     <p:extLst>
       <p:ext uri="{BB962C8B-B14F-4D97-AF65-F5344CB8AC3E}">
-        <p14:creationId xmlns:p14="http://schemas.microsoft.com/office/powerpoint/2010/main" val="1590391527"/>
+        <p14:creationId xmlns:p14="http://schemas.microsoft.com/office/powerpoint/2010/main" val="2819578268"/>
       </p:ext>
     </p:extLst>
   </p:cSld>
@@ -3285,6 +3344,35 @@
           <a:chExt cx="0" cy="0"/>
         </a:xfrm>
       </p:grpSpPr>
+      <p:pic>
+        <p:nvPicPr>
+          <p:cNvPr id="7" name="Picture 6">
+            <a:extLst>
+              <a:ext uri="{FF2B5EF4-FFF2-40B4-BE49-F238E27FC236}">
+                <a16:creationId xmlns:a16="http://schemas.microsoft.com/office/drawing/2014/main" id="{3A7DB3A7-1559-42A4-A121-65A53AB3C557}"/>
+              </a:ext>
+            </a:extLst>
+          </p:cNvPr>
+          <p:cNvPicPr>
+            <a:picLocks noChangeAspect="1"/>
+          </p:cNvPicPr>
+          <p:nvPr/>
+        </p:nvPicPr>
+        <p:blipFill rotWithShape="1">
+          <a:blip r:embed="rId2"/>
+          <a:srcRect l="9329" r="24244"/>
+          <a:stretch/>
+        </p:blipFill>
+        <p:spPr>
+          <a:xfrm>
+            <a:off x="3426371" y="476175"/>
+            <a:ext cx="6421821" cy="6375692"/>
+          </a:xfrm>
+          <a:prstGeom prst="rect">
+            <a:avLst/>
+          </a:prstGeom>
+        </p:spPr>
+      </p:pic>
       <p:sp>
         <p:nvSpPr>
           <p:cNvPr id="2" name="Title 1"/>
@@ -3297,7 +3385,7 @@
         </p:nvSpPr>
         <p:spPr>
           <a:xfrm>
-            <a:off x="714895" y="665019"/>
+            <a:off x="714895" y="476175"/>
             <a:ext cx="10706792" cy="590203"/>
           </a:xfrm>
         </p:spPr>
@@ -3308,7 +3396,7 @@
           <a:lstStyle/>
           <a:p>
             <a:r>
-              <a:rPr lang="en-US" sz="4400" b="1" dirty="0" smtClean="0">
+              <a:rPr lang="en-US" sz="4400" b="1" dirty="0">
                 <a:solidFill>
                   <a:srgbClr val="0070C0"/>
                 </a:solidFill>
@@ -3316,12 +3404,6 @@
               </a:rPr>
               <a:t>US Cancer Incidence and Mortality</a:t>
             </a:r>
-            <a:endParaRPr lang="en-US" sz="4400" b="1" dirty="0">
-              <a:solidFill>
-                <a:srgbClr val="0070C0"/>
-              </a:solidFill>
-              <a:latin typeface="Bodoni MT" panose="02070603080606020203" pitchFamily="18" charset="0"/>
-            </a:endParaRPr>
           </a:p>
         </p:txBody>
       </p:sp>
@@ -3337,8 +3419,8 @@
         </p:nvSpPr>
         <p:spPr>
           <a:xfrm>
-            <a:off x="714895" y="1479665"/>
-            <a:ext cx="10706792" cy="4671753"/>
+            <a:off x="714895" y="1066379"/>
+            <a:ext cx="10706792" cy="5085040"/>
           </a:xfrm>
         </p:spPr>
         <p:txBody>
@@ -3349,7 +3431,7 @@
           <a:p>
             <a:pPr algn="l"/>
             <a:r>
-              <a:rPr lang="en-US" dirty="0" smtClean="0">
+              <a:rPr lang="en-US" b="1" u="sng" dirty="0">
                 <a:solidFill>
                   <a:srgbClr val="C00000"/>
                 </a:solidFill>
@@ -3357,16 +3439,54 @@
               </a:rPr>
               <a:t>Maryland</a:t>
             </a:r>
-          </a:p>
-          <a:p>
-            <a:r>
-              <a:rPr lang="en-US" b="1" dirty="0"/>
+            <a:r>
+              <a:rPr lang="en-US" dirty="0">
+                <a:solidFill>
+                  <a:srgbClr val="C00000"/>
+                </a:solidFill>
+                <a:latin typeface="Bodoni MT" panose="02070603080606020203" pitchFamily="18" charset="0"/>
+              </a:rPr>
+              <a:t>: Top Ten Cancers Causing Deaths </a:t>
+            </a:r>
+          </a:p>
+          <a:p>
+            <a:pPr algn="l"/>
+            <a:r>
+              <a:rPr lang="en-US" dirty="0">
+                <a:solidFill>
+                  <a:srgbClr val="C00000"/>
+                </a:solidFill>
+                <a:latin typeface="Bodoni MT" panose="02070603080606020203" pitchFamily="18" charset="0"/>
+              </a:rPr>
+              <a:t>All Cancers, All Ages, All Races, </a:t>
+            </a:r>
+          </a:p>
+          <a:p>
+            <a:pPr algn="l"/>
+            <a:r>
+              <a:rPr lang="en-US" dirty="0">
+                <a:solidFill>
+                  <a:srgbClr val="C00000"/>
+                </a:solidFill>
+                <a:latin typeface="Bodoni MT" panose="02070603080606020203" pitchFamily="18" charset="0"/>
+              </a:rPr>
+              <a:t>Both Male and Female</a:t>
+            </a:r>
+          </a:p>
+          <a:p>
+            <a:pPr algn="l"/>
+            <a:r>
+              <a:rPr lang="en-US" dirty="0">
+                <a:solidFill>
+                  <a:srgbClr val="C00000"/>
+                </a:solidFill>
+                <a:latin typeface="Bodoni MT" panose="02070603080606020203" pitchFamily="18" charset="0"/>
+              </a:rPr>
               <a:t>2016</a:t>
             </a:r>
-            <a:r>
-              <a:rPr lang="en-US" b="1" dirty="0" smtClean="0"/>
-              <a:t>:</a:t>
-            </a:r>
+          </a:p>
+          <a:p>
+            <a:pPr algn="l"/>
             <a:endParaRPr lang="en-US" dirty="0">
               <a:solidFill>
                 <a:srgbClr val="C00000"/>
@@ -3378,22 +3498,28 @@
       </p:sp>
       <p:pic>
         <p:nvPicPr>
-          <p:cNvPr id="4" name="Picture 3"/>
+          <p:cNvPr id="5" name="Picture 4">
+            <a:extLst>
+              <a:ext uri="{FF2B5EF4-FFF2-40B4-BE49-F238E27FC236}">
+                <a16:creationId xmlns:a16="http://schemas.microsoft.com/office/drawing/2014/main" id="{3247F2C0-A100-4322-9A86-9D9CF8D10B50}"/>
+              </a:ext>
+            </a:extLst>
+          </p:cNvPr>
           <p:cNvPicPr>
             <a:picLocks noChangeAspect="1"/>
           </p:cNvPicPr>
           <p:nvPr/>
         </p:nvPicPr>
         <p:blipFill>
-          <a:blip r:embed="rId2"/>
+          <a:blip r:embed="rId3"/>
           <a:stretch>
             <a:fillRect/>
           </a:stretch>
         </p:blipFill>
         <p:spPr>
           <a:xfrm>
-            <a:off x="1438102" y="1978429"/>
-            <a:ext cx="6234545" cy="4305993"/>
+            <a:off x="1578279" y="2651997"/>
+            <a:ext cx="2175577" cy="2358414"/>
           </a:xfrm>
           <a:prstGeom prst="rect">
             <a:avLst/>
@@ -3403,7 +3529,7 @@
     </p:spTree>
     <p:extLst>
       <p:ext uri="{BB962C8B-B14F-4D97-AF65-F5344CB8AC3E}">
-        <p14:creationId xmlns:p14="http://schemas.microsoft.com/office/powerpoint/2010/main" val="2819578268"/>
+        <p14:creationId xmlns:p14="http://schemas.microsoft.com/office/powerpoint/2010/main" val="471127339"/>
       </p:ext>
     </p:extLst>
   </p:cSld>
@@ -3442,7 +3568,7 @@
         </p:nvSpPr>
         <p:spPr>
           <a:xfrm>
-            <a:off x="714895" y="665019"/>
+            <a:off x="714895" y="448890"/>
             <a:ext cx="10706792" cy="590203"/>
           </a:xfrm>
         </p:spPr>
@@ -3453,7 +3579,7 @@
           <a:lstStyle/>
           <a:p>
             <a:r>
-              <a:rPr lang="en-US" sz="4400" b="1" dirty="0" smtClean="0">
+              <a:rPr lang="en-US" sz="4400" b="1" dirty="0">
                 <a:solidFill>
                   <a:srgbClr val="0070C0"/>
                 </a:solidFill>
@@ -3461,56 +3587,6 @@
               </a:rPr>
               <a:t>US Cancer Incidence and Mortality</a:t>
             </a:r>
-            <a:endParaRPr lang="en-US" sz="4400" b="1" dirty="0">
-              <a:solidFill>
-                <a:srgbClr val="0070C0"/>
-              </a:solidFill>
-              <a:latin typeface="Bodoni MT" panose="02070603080606020203" pitchFamily="18" charset="0"/>
-            </a:endParaRPr>
-          </a:p>
-        </p:txBody>
-      </p:sp>
-      <p:sp>
-        <p:nvSpPr>
-          <p:cNvPr id="3" name="Subtitle 2"/>
-          <p:cNvSpPr>
-            <a:spLocks noGrp="1"/>
-          </p:cNvSpPr>
-          <p:nvPr>
-            <p:ph type="subTitle" idx="1"/>
-          </p:nvPr>
-        </p:nvSpPr>
-        <p:spPr>
-          <a:xfrm>
-            <a:off x="714895" y="1479665"/>
-            <a:ext cx="10706792" cy="4671753"/>
-          </a:xfrm>
-        </p:spPr>
-        <p:txBody>
-          <a:bodyPr>
-            <a:normAutofit/>
-          </a:bodyPr>
-          <a:lstStyle/>
-          <a:p>
-            <a:pPr algn="l"/>
-            <a:r>
-              <a:rPr lang="en-US" dirty="0" smtClean="0">
-                <a:solidFill>
-                  <a:srgbClr val="C00000"/>
-                </a:solidFill>
-                <a:latin typeface="Bodoni MT" panose="02070603080606020203" pitchFamily="18" charset="0"/>
-              </a:rPr>
-              <a:t>Maryland</a:t>
-            </a:r>
-          </a:p>
-          <a:p>
-            <a:pPr algn="l"/>
-            <a:endParaRPr lang="en-US" dirty="0">
-              <a:solidFill>
-                <a:srgbClr val="C00000"/>
-              </a:solidFill>
-              <a:latin typeface="Bodoni MT" panose="02070603080606020203" pitchFamily="18" charset="0"/>
-            </a:endParaRPr>
           </a:p>
         </p:txBody>
       </p:sp>
@@ -3530,8 +3606,91 @@
         </p:blipFill>
         <p:spPr>
           <a:xfrm>
-            <a:off x="2729778" y="1479665"/>
-            <a:ext cx="6677025" cy="4457700"/>
+            <a:off x="972589" y="1451114"/>
+            <a:ext cx="10449098" cy="4916436"/>
+          </a:xfrm>
+          <a:prstGeom prst="rect">
+            <a:avLst/>
+          </a:prstGeom>
+        </p:spPr>
+      </p:pic>
+      <p:sp>
+        <p:nvSpPr>
+          <p:cNvPr id="3" name="Subtitle 2"/>
+          <p:cNvSpPr>
+            <a:spLocks noGrp="1"/>
+          </p:cNvSpPr>
+          <p:nvPr>
+            <p:ph type="subTitle" idx="1"/>
+          </p:nvPr>
+        </p:nvSpPr>
+        <p:spPr>
+          <a:xfrm>
+            <a:off x="714895" y="1039093"/>
+            <a:ext cx="10706792" cy="5112326"/>
+          </a:xfrm>
+        </p:spPr>
+        <p:txBody>
+          <a:bodyPr>
+            <a:normAutofit/>
+          </a:bodyPr>
+          <a:lstStyle/>
+          <a:p>
+            <a:pPr algn="l"/>
+            <a:r>
+              <a:rPr lang="en-US" b="1" u="sng" dirty="0">
+                <a:solidFill>
+                  <a:srgbClr val="C00000"/>
+                </a:solidFill>
+                <a:latin typeface="Bodoni MT" panose="02070603080606020203" pitchFamily="18" charset="0"/>
+              </a:rPr>
+              <a:t>Maryland</a:t>
+            </a:r>
+            <a:r>
+              <a:rPr lang="en-US" dirty="0">
+                <a:solidFill>
+                  <a:srgbClr val="C00000"/>
+                </a:solidFill>
+                <a:latin typeface="Bodoni MT" panose="02070603080606020203" pitchFamily="18" charset="0"/>
+              </a:rPr>
+              <a:t>: Top Ten Cancers Causing Deaths All Cancers, All Ages, All Races, Both Male and Female 2016 </a:t>
+            </a:r>
+          </a:p>
+          <a:p>
+            <a:pPr algn="l"/>
+            <a:endParaRPr lang="en-US" dirty="0">
+              <a:solidFill>
+                <a:srgbClr val="C00000"/>
+              </a:solidFill>
+              <a:latin typeface="Bodoni MT" panose="02070603080606020203" pitchFamily="18" charset="0"/>
+            </a:endParaRPr>
+          </a:p>
+        </p:txBody>
+      </p:sp>
+      <p:pic>
+        <p:nvPicPr>
+          <p:cNvPr id="5" name="Picture 4">
+            <a:extLst>
+              <a:ext uri="{FF2B5EF4-FFF2-40B4-BE49-F238E27FC236}">
+                <a16:creationId xmlns:a16="http://schemas.microsoft.com/office/drawing/2014/main" id="{DB5EFA63-E768-4577-B72A-25F8D0F58020}"/>
+              </a:ext>
+            </a:extLst>
+          </p:cNvPr>
+          <p:cNvPicPr>
+            <a:picLocks noChangeAspect="1"/>
+          </p:cNvPicPr>
+          <p:nvPr/>
+        </p:nvPicPr>
+        <p:blipFill>
+          <a:blip r:embed="rId3"/>
+          <a:stretch>
+            <a:fillRect/>
+          </a:stretch>
+        </p:blipFill>
+        <p:spPr>
+          <a:xfrm>
+            <a:off x="9000787" y="1969715"/>
+            <a:ext cx="2042337" cy="2024047"/>
           </a:xfrm>
           <a:prstGeom prst="rect">
             <a:avLst/>
@@ -3541,7 +3700,7 @@
     </p:spTree>
     <p:extLst>
       <p:ext uri="{BB962C8B-B14F-4D97-AF65-F5344CB8AC3E}">
-        <p14:creationId xmlns:p14="http://schemas.microsoft.com/office/powerpoint/2010/main" val="471127339"/>
+        <p14:creationId xmlns:p14="http://schemas.microsoft.com/office/powerpoint/2010/main" val="3561229793"/>
       </p:ext>
     </p:extLst>
   </p:cSld>
@@ -3580,7 +3739,7 @@
         </p:nvSpPr>
         <p:spPr>
           <a:xfrm>
-            <a:off x="714895" y="665019"/>
+            <a:off x="714895" y="368618"/>
             <a:ext cx="10706792" cy="590203"/>
           </a:xfrm>
         </p:spPr>
@@ -3591,7 +3750,7 @@
           <a:lstStyle/>
           <a:p>
             <a:r>
-              <a:rPr lang="en-US" sz="4400" b="1" dirty="0" smtClean="0">
+              <a:rPr lang="en-US" sz="4400" b="1" dirty="0">
                 <a:solidFill>
                   <a:srgbClr val="0070C0"/>
                 </a:solidFill>
@@ -3599,62 +3758,18 @@
               </a:rPr>
               <a:t>US Cancer Incidence and Mortality</a:t>
             </a:r>
-            <a:endParaRPr lang="en-US" sz="4400" b="1" dirty="0">
-              <a:solidFill>
-                <a:srgbClr val="0070C0"/>
-              </a:solidFill>
-              <a:latin typeface="Bodoni MT" panose="02070603080606020203" pitchFamily="18" charset="0"/>
-            </a:endParaRPr>
-          </a:p>
-        </p:txBody>
-      </p:sp>
-      <p:sp>
-        <p:nvSpPr>
-          <p:cNvPr id="3" name="Subtitle 2"/>
-          <p:cNvSpPr>
-            <a:spLocks noGrp="1"/>
-          </p:cNvSpPr>
-          <p:nvPr>
-            <p:ph type="subTitle" idx="1"/>
-          </p:nvPr>
-        </p:nvSpPr>
-        <p:spPr>
-          <a:xfrm>
-            <a:off x="714895" y="1255223"/>
-            <a:ext cx="10706792" cy="4896196"/>
-          </a:xfrm>
-        </p:spPr>
-        <p:txBody>
-          <a:bodyPr>
-            <a:normAutofit/>
-          </a:bodyPr>
-          <a:lstStyle/>
-          <a:p>
-            <a:pPr algn="l"/>
-            <a:r>
-              <a:rPr lang="en-US" dirty="0" smtClean="0">
-                <a:solidFill>
-                  <a:srgbClr val="C00000"/>
-                </a:solidFill>
-                <a:latin typeface="Bodoni MT" panose="02070603080606020203" pitchFamily="18" charset="0"/>
-              </a:rPr>
-              <a:t>Maryland</a:t>
-            </a:r>
-          </a:p>
-          <a:p>
-            <a:pPr algn="l"/>
-            <a:endParaRPr lang="en-US" dirty="0">
-              <a:solidFill>
-                <a:srgbClr val="C00000"/>
-              </a:solidFill>
-              <a:latin typeface="Bodoni MT" panose="02070603080606020203" pitchFamily="18" charset="0"/>
-            </a:endParaRPr>
           </a:p>
         </p:txBody>
       </p:sp>
       <p:pic>
         <p:nvPicPr>
-          <p:cNvPr id="4" name="Picture 3"/>
+          <p:cNvPr id="5" name="Picture 4">
+            <a:extLst>
+              <a:ext uri="{FF2B5EF4-FFF2-40B4-BE49-F238E27FC236}">
+                <a16:creationId xmlns:a16="http://schemas.microsoft.com/office/drawing/2014/main" id="{64B06277-7BD6-4F8B-86D0-CFC14A33E38E}"/>
+              </a:ext>
+            </a:extLst>
+          </p:cNvPr>
           <p:cNvPicPr>
             <a:picLocks noChangeAspect="1"/>
           </p:cNvPicPr>
@@ -3668,8 +3783,78 @@
         </p:blipFill>
         <p:spPr>
           <a:xfrm>
-            <a:off x="972589" y="1795549"/>
-            <a:ext cx="10449098" cy="4572000"/>
+            <a:off x="1970311" y="958821"/>
+            <a:ext cx="10135549" cy="5766909"/>
+          </a:xfrm>
+          <a:prstGeom prst="rect">
+            <a:avLst/>
+          </a:prstGeom>
+        </p:spPr>
+      </p:pic>
+      <p:sp>
+        <p:nvSpPr>
+          <p:cNvPr id="3" name="Subtitle 2"/>
+          <p:cNvSpPr>
+            <a:spLocks noGrp="1"/>
+          </p:cNvSpPr>
+          <p:nvPr>
+            <p:ph type="subTitle" idx="1"/>
+          </p:nvPr>
+        </p:nvSpPr>
+        <p:spPr>
+          <a:xfrm>
+            <a:off x="714895" y="958821"/>
+            <a:ext cx="10706792" cy="5192597"/>
+          </a:xfrm>
+        </p:spPr>
+        <p:txBody>
+          <a:bodyPr>
+            <a:normAutofit/>
+          </a:bodyPr>
+          <a:lstStyle/>
+          <a:p>
+            <a:pPr algn="l"/>
+            <a:r>
+              <a:rPr lang="en-US" b="1" dirty="0">
+                <a:solidFill>
+                  <a:srgbClr val="FF0000"/>
+                </a:solidFill>
+              </a:rPr>
+              <a:t>US Top Ten Cancers Causing Deaths in 2016</a:t>
+            </a:r>
+            <a:endParaRPr lang="en-US" dirty="0">
+              <a:solidFill>
+                <a:srgbClr val="FF0000"/>
+              </a:solidFill>
+              <a:latin typeface="Bodoni MT" panose="02070603080606020203" pitchFamily="18" charset="0"/>
+            </a:endParaRPr>
+          </a:p>
+        </p:txBody>
+      </p:sp>
+      <p:pic>
+        <p:nvPicPr>
+          <p:cNvPr id="6" name="Picture 5">
+            <a:extLst>
+              <a:ext uri="{FF2B5EF4-FFF2-40B4-BE49-F238E27FC236}">
+                <a16:creationId xmlns:a16="http://schemas.microsoft.com/office/drawing/2014/main" id="{BB0897F1-FA7B-40E1-8247-A62F76EB5157}"/>
+              </a:ext>
+            </a:extLst>
+          </p:cNvPr>
+          <p:cNvPicPr>
+            <a:picLocks noChangeAspect="1"/>
+          </p:cNvPicPr>
+          <p:nvPr/>
+        </p:nvPicPr>
+        <p:blipFill>
+          <a:blip r:embed="rId3"/>
+          <a:stretch>
+            <a:fillRect/>
+          </a:stretch>
+        </p:blipFill>
+        <p:spPr>
+          <a:xfrm>
+            <a:off x="1292087" y="2136913"/>
+            <a:ext cx="2144780" cy="2302203"/>
           </a:xfrm>
           <a:prstGeom prst="rect">
             <a:avLst/>
@@ -3679,7 +3864,7 @@
     </p:spTree>
     <p:extLst>
       <p:ext uri="{BB962C8B-B14F-4D97-AF65-F5344CB8AC3E}">
-        <p14:creationId xmlns:p14="http://schemas.microsoft.com/office/powerpoint/2010/main" val="3561229793"/>
+        <p14:creationId xmlns:p14="http://schemas.microsoft.com/office/powerpoint/2010/main" val="2559960391"/>
       </p:ext>
     </p:extLst>
   </p:cSld>
@@ -3718,7 +3903,7 @@
         </p:nvSpPr>
         <p:spPr>
           <a:xfrm>
-            <a:off x="714895" y="665019"/>
+            <a:off x="714895" y="368618"/>
             <a:ext cx="10706792" cy="590203"/>
           </a:xfrm>
         </p:spPr>
@@ -3729,7 +3914,7 @@
           <a:lstStyle/>
           <a:p>
             <a:r>
-              <a:rPr lang="en-US" sz="4400" b="1" dirty="0" smtClean="0">
+              <a:rPr lang="en-US" sz="4400" b="1" dirty="0">
                 <a:solidFill>
                   <a:srgbClr val="0070C0"/>
                 </a:solidFill>
@@ -3737,77 +3922,161 @@
               </a:rPr>
               <a:t>US Cancer Incidence and Mortality</a:t>
             </a:r>
-            <a:endParaRPr lang="en-US" sz="4400" b="1" dirty="0">
+          </a:p>
+        </p:txBody>
+      </p:sp>
+      <p:sp>
+        <p:nvSpPr>
+          <p:cNvPr id="3" name="Subtitle 2"/>
+          <p:cNvSpPr>
+            <a:spLocks noGrp="1"/>
+          </p:cNvSpPr>
+          <p:nvPr>
+            <p:ph type="subTitle" idx="1"/>
+          </p:nvPr>
+        </p:nvSpPr>
+        <p:spPr>
+          <a:xfrm>
+            <a:off x="714895" y="958821"/>
+            <a:ext cx="10706792" cy="5192597"/>
+          </a:xfrm>
+        </p:spPr>
+        <p:txBody>
+          <a:bodyPr>
+            <a:normAutofit/>
+          </a:bodyPr>
+          <a:lstStyle/>
+          <a:p>
+            <a:pPr algn="l"/>
+            <a:r>
+              <a:rPr lang="en-US" b="1" dirty="0">
+                <a:solidFill>
+                  <a:srgbClr val="FF0000"/>
+                </a:solidFill>
+              </a:rPr>
+              <a:t>US Versus Maryland Top Ten Cancers Causing Deaths in 2016</a:t>
+            </a:r>
+            <a:endParaRPr lang="en-US" dirty="0">
               <a:solidFill>
-                <a:srgbClr val="0070C0"/>
+                <a:srgbClr val="FF0000"/>
               </a:solidFill>
               <a:latin typeface="Bodoni MT" panose="02070603080606020203" pitchFamily="18" charset="0"/>
             </a:endParaRPr>
           </a:p>
         </p:txBody>
       </p:sp>
-      <p:sp>
-        <p:nvSpPr>
-          <p:cNvPr id="3" name="Subtitle 2"/>
-          <p:cNvSpPr>
-            <a:spLocks noGrp="1"/>
-          </p:cNvSpPr>
-          <p:nvPr>
-            <p:ph type="subTitle" idx="1"/>
-          </p:nvPr>
-        </p:nvSpPr>
-        <p:spPr>
-          <a:xfrm>
-            <a:off x="714895" y="1155469"/>
-            <a:ext cx="10706792" cy="4995949"/>
-          </a:xfrm>
-        </p:spPr>
-        <p:txBody>
-          <a:bodyPr>
-            <a:normAutofit/>
-          </a:bodyPr>
-          <a:lstStyle/>
-          <a:p>
-            <a:pPr algn="l"/>
-            <a:r>
-              <a:rPr lang="en-US" dirty="0" smtClean="0">
-                <a:solidFill>
-                  <a:srgbClr val="C00000"/>
-                </a:solidFill>
-                <a:latin typeface="Bodoni MT" panose="02070603080606020203" pitchFamily="18" charset="0"/>
-              </a:rPr>
-              <a:t>US</a:t>
-            </a:r>
-          </a:p>
-          <a:p>
-            <a:pPr algn="l"/>
-            <a:endParaRPr lang="en-US" dirty="0">
-              <a:solidFill>
-                <a:srgbClr val="C00000"/>
-              </a:solidFill>
-              <a:latin typeface="Bodoni MT" panose="02070603080606020203" pitchFamily="18" charset="0"/>
-            </a:endParaRPr>
-          </a:p>
-        </p:txBody>
-      </p:sp>
       <p:pic>
         <p:nvPicPr>
-          <p:cNvPr id="4" name="Picture 3"/>
+          <p:cNvPr id="4" name="Picture 3">
+            <a:extLst>
+              <a:ext uri="{FF2B5EF4-FFF2-40B4-BE49-F238E27FC236}">
+                <a16:creationId xmlns:a16="http://schemas.microsoft.com/office/drawing/2014/main" id="{D0173E32-A56C-49BA-B932-A879B9289ABC}"/>
+              </a:ext>
+            </a:extLst>
+          </p:cNvPr>
+          <p:cNvPicPr>
+            <a:picLocks noChangeAspect="1"/>
+          </p:cNvPicPr>
+          <p:nvPr/>
+        </p:nvPicPr>
+        <p:blipFill rotWithShape="1">
+          <a:blip r:embed="rId2"/>
+          <a:srcRect l="13486" r="15639" b="16018"/>
+          <a:stretch/>
+        </p:blipFill>
+        <p:spPr>
+          <a:xfrm>
+            <a:off x="601249" y="2341386"/>
+            <a:ext cx="5936185" cy="4337604"/>
+          </a:xfrm>
+          <a:prstGeom prst="rect">
+            <a:avLst/>
+          </a:prstGeom>
+        </p:spPr>
+      </p:pic>
+      <p:pic>
+        <p:nvPicPr>
+          <p:cNvPr id="6" name="Picture 5">
+            <a:extLst>
+              <a:ext uri="{FF2B5EF4-FFF2-40B4-BE49-F238E27FC236}">
+                <a16:creationId xmlns:a16="http://schemas.microsoft.com/office/drawing/2014/main" id="{BB0897F1-FA7B-40E1-8247-A62F76EB5157}"/>
+              </a:ext>
+            </a:extLst>
+          </p:cNvPr>
           <p:cNvPicPr>
             <a:picLocks noChangeAspect="1"/>
           </p:cNvPicPr>
           <p:nvPr/>
         </p:nvPicPr>
         <p:blipFill>
-          <a:blip r:embed="rId2"/>
+          <a:blip r:embed="rId3"/>
           <a:stretch>
             <a:fillRect/>
           </a:stretch>
         </p:blipFill>
         <p:spPr>
           <a:xfrm>
-            <a:off x="2829791" y="1548765"/>
-            <a:ext cx="6477000" cy="4602653"/>
+            <a:off x="714894" y="1252917"/>
+            <a:ext cx="2144780" cy="2266898"/>
+          </a:xfrm>
+          <a:prstGeom prst="rect">
+            <a:avLst/>
+          </a:prstGeom>
+        </p:spPr>
+      </p:pic>
+      <p:pic>
+        <p:nvPicPr>
+          <p:cNvPr id="7" name="Picture 6">
+            <a:extLst>
+              <a:ext uri="{FF2B5EF4-FFF2-40B4-BE49-F238E27FC236}">
+                <a16:creationId xmlns:a16="http://schemas.microsoft.com/office/drawing/2014/main" id="{72D96EEC-595B-4131-A827-2B3710D10A14}"/>
+              </a:ext>
+            </a:extLst>
+          </p:cNvPr>
+          <p:cNvPicPr>
+            <a:picLocks noChangeAspect="1"/>
+          </p:cNvPicPr>
+          <p:nvPr/>
+        </p:nvPicPr>
+        <p:blipFill rotWithShape="1">
+          <a:blip r:embed="rId4"/>
+          <a:srcRect t="3098" b="10733"/>
+          <a:stretch/>
+        </p:blipFill>
+        <p:spPr>
+          <a:xfrm>
+            <a:off x="6050626" y="2441596"/>
+            <a:ext cx="5857870" cy="4416404"/>
+          </a:xfrm>
+          <a:prstGeom prst="rect">
+            <a:avLst/>
+          </a:prstGeom>
+        </p:spPr>
+      </p:pic>
+      <p:pic>
+        <p:nvPicPr>
+          <p:cNvPr id="8" name="Picture 7">
+            <a:extLst>
+              <a:ext uri="{FF2B5EF4-FFF2-40B4-BE49-F238E27FC236}">
+                <a16:creationId xmlns:a16="http://schemas.microsoft.com/office/drawing/2014/main" id="{AA669409-1031-488D-B25D-387C463D6347}"/>
+              </a:ext>
+            </a:extLst>
+          </p:cNvPr>
+          <p:cNvPicPr>
+            <a:picLocks noChangeAspect="1"/>
+          </p:cNvPicPr>
+          <p:nvPr/>
+        </p:nvPicPr>
+        <p:blipFill>
+          <a:blip r:embed="rId5"/>
+          <a:stretch>
+            <a:fillRect/>
+          </a:stretch>
+        </p:blipFill>
+        <p:spPr>
+          <a:xfrm>
+            <a:off x="10015539" y="795983"/>
+            <a:ext cx="2176461" cy="2359356"/>
           </a:xfrm>
           <a:prstGeom prst="rect">
             <a:avLst/>
@@ -3817,7 +4086,7 @@
     </p:spTree>
     <p:extLst>
       <p:ext uri="{BB962C8B-B14F-4D97-AF65-F5344CB8AC3E}">
-        <p14:creationId xmlns:p14="http://schemas.microsoft.com/office/powerpoint/2010/main" val="2559960391"/>
+        <p14:creationId xmlns:p14="http://schemas.microsoft.com/office/powerpoint/2010/main" val="2338427749"/>
       </p:ext>
     </p:extLst>
   </p:cSld>
@@ -3856,7 +4125,7 @@
         </p:nvSpPr>
         <p:spPr>
           <a:xfrm>
-            <a:off x="714895" y="665019"/>
+            <a:off x="714895" y="344076"/>
             <a:ext cx="10706792" cy="590203"/>
           </a:xfrm>
         </p:spPr>
@@ -3867,7 +4136,7 @@
           <a:lstStyle/>
           <a:p>
             <a:r>
-              <a:rPr lang="en-US" sz="4400" b="1" dirty="0" smtClean="0">
+              <a:rPr lang="en-US" sz="4400" b="1" dirty="0">
                 <a:solidFill>
                   <a:srgbClr val="0070C0"/>
                 </a:solidFill>
@@ -3875,13 +4144,150 @@
               </a:rPr>
               <a:t>US Cancer Incidence and Mortality</a:t>
             </a:r>
-            <a:endParaRPr lang="en-US" sz="4400" b="1" dirty="0">
+          </a:p>
+        </p:txBody>
+      </p:sp>
+      <p:pic>
+        <p:nvPicPr>
+          <p:cNvPr id="4" name="Picture 3">
+            <a:extLst>
+              <a:ext uri="{FF2B5EF4-FFF2-40B4-BE49-F238E27FC236}">
+                <a16:creationId xmlns:a16="http://schemas.microsoft.com/office/drawing/2014/main" id="{D3EEB0B0-54B4-4B4A-A4F3-FCE7369C87C2}"/>
+              </a:ext>
+            </a:extLst>
+          </p:cNvPr>
+          <p:cNvPicPr>
+            <a:picLocks noChangeAspect="1"/>
+          </p:cNvPicPr>
+          <p:nvPr/>
+        </p:nvPicPr>
+        <p:blipFill>
+          <a:blip r:embed="rId2"/>
+          <a:stretch>
+            <a:fillRect/>
+          </a:stretch>
+        </p:blipFill>
+        <p:spPr>
+          <a:xfrm>
+            <a:off x="1401673" y="1192696"/>
+            <a:ext cx="9388654" cy="5189309"/>
+          </a:xfrm>
+          <a:prstGeom prst="rect">
+            <a:avLst/>
+          </a:prstGeom>
+        </p:spPr>
+      </p:pic>
+      <p:sp>
+        <p:nvSpPr>
+          <p:cNvPr id="3" name="Subtitle 2"/>
+          <p:cNvSpPr>
+            <a:spLocks noGrp="1"/>
+          </p:cNvSpPr>
+          <p:nvPr>
+            <p:ph type="subTitle" idx="1"/>
+          </p:nvPr>
+        </p:nvSpPr>
+        <p:spPr>
+          <a:xfrm>
+            <a:off x="714895" y="934280"/>
+            <a:ext cx="10706792" cy="5217140"/>
+          </a:xfrm>
+        </p:spPr>
+        <p:txBody>
+          <a:bodyPr>
+            <a:normAutofit/>
+          </a:bodyPr>
+          <a:lstStyle/>
+          <a:p>
+            <a:pPr algn="l"/>
+            <a:r>
+              <a:rPr lang="en-US" b="1" dirty="0">
+                <a:solidFill>
+                  <a:srgbClr val="FF0000"/>
+                </a:solidFill>
+              </a:rPr>
+              <a:t>US Lung and Bronchus: Cause of Most Cancer Deaths Shown by State</a:t>
+            </a:r>
+            <a:endParaRPr lang="en-US" dirty="0">
               <a:solidFill>
-                <a:srgbClr val="0070C0"/>
+                <a:srgbClr val="FF0000"/>
               </a:solidFill>
               <a:latin typeface="Bodoni MT" panose="02070603080606020203" pitchFamily="18" charset="0"/>
             </a:endParaRPr>
           </a:p>
+          <a:p>
+            <a:pPr algn="l"/>
+            <a:endParaRPr lang="en-US" dirty="0">
+              <a:solidFill>
+                <a:srgbClr val="C00000"/>
+              </a:solidFill>
+              <a:latin typeface="Bodoni MT" panose="02070603080606020203" pitchFamily="18" charset="0"/>
+            </a:endParaRPr>
+          </a:p>
+        </p:txBody>
+      </p:sp>
+    </p:spTree>
+    <p:extLst>
+      <p:ext uri="{BB962C8B-B14F-4D97-AF65-F5344CB8AC3E}">
+        <p14:creationId xmlns:p14="http://schemas.microsoft.com/office/powerpoint/2010/main" val="1590391527"/>
+      </p:ext>
+    </p:extLst>
+  </p:cSld>
+  <p:clrMapOvr>
+    <a:masterClrMapping/>
+  </p:clrMapOvr>
+</p:sld>
+</file>
+
+<file path=ppt/slides/slide8.xml><?xml version="1.0" encoding="utf-8"?>
+<p:sld xmlns:a="http://schemas.openxmlformats.org/drawingml/2006/main" xmlns:r="http://schemas.openxmlformats.org/officeDocument/2006/relationships" xmlns:p="http://schemas.openxmlformats.org/presentationml/2006/main">
+  <p:cSld>
+    <p:spTree>
+      <p:nvGrpSpPr>
+        <p:cNvPr id="1" name=""/>
+        <p:cNvGrpSpPr/>
+        <p:nvPr/>
+      </p:nvGrpSpPr>
+      <p:grpSpPr>
+        <a:xfrm>
+          <a:off x="0" y="0"/>
+          <a:ext cx="0" cy="0"/>
+          <a:chOff x="0" y="0"/>
+          <a:chExt cx="0" cy="0"/>
+        </a:xfrm>
+      </p:grpSpPr>
+      <p:sp>
+        <p:nvSpPr>
+          <p:cNvPr id="2" name="Title 1"/>
+          <p:cNvSpPr>
+            <a:spLocks noGrp="1"/>
+          </p:cNvSpPr>
+          <p:nvPr>
+            <p:ph type="ctrTitle"/>
+          </p:nvPr>
+        </p:nvSpPr>
+        <p:spPr>
+          <a:xfrm>
+            <a:off x="714895" y="362056"/>
+            <a:ext cx="10706792" cy="590203"/>
+          </a:xfrm>
+        </p:spPr>
+        <p:txBody>
+          <a:bodyPr anchor="ctr">
+            <a:noAutofit/>
+          </a:bodyPr>
+          <a:lstStyle/>
+          <a:p>
+            <a:r>
+              <a:rPr lang="en-US" sz="4400" b="1" dirty="0">
+                <a:solidFill>
+                  <a:srgbClr val="0070C0"/>
+                </a:solidFill>
+                <a:latin typeface="Bodoni MT" panose="02070603080606020203" pitchFamily="18" charset="0"/>
+              </a:rPr>
+              <a:t>US Cancer Incidence and Mortality</a:t>
+            </a:r>
+          </a:p>
         </p:txBody>
       </p:sp>
       <p:sp>
@@ -3896,8 +4302,8 @@
         </p:nvSpPr>
         <p:spPr>
           <a:xfrm>
-            <a:off x="714895" y="1255223"/>
-            <a:ext cx="10706792" cy="4896196"/>
+            <a:off x="714895" y="854766"/>
+            <a:ext cx="10706792" cy="5296654"/>
           </a:xfrm>
         </p:spPr>
         <p:txBody>
@@ -3908,13 +4314,156 @@
           <a:p>
             <a:pPr algn="l"/>
             <a:r>
-              <a:rPr lang="en-US" dirty="0" smtClean="0">
+              <a:rPr lang="en-US" b="1" dirty="0">
+                <a:solidFill>
+                  <a:srgbClr val="FF0000"/>
+                </a:solidFill>
+              </a:rPr>
+              <a:t>US Lung and Bronchus: Cause of Most Cancer Deaths Shown by State</a:t>
+            </a:r>
+            <a:endParaRPr lang="en-US" dirty="0">
+              <a:solidFill>
+                <a:srgbClr val="FF0000"/>
+              </a:solidFill>
+              <a:latin typeface="Bodoni MT" panose="02070603080606020203" pitchFamily="18" charset="0"/>
+            </a:endParaRPr>
+          </a:p>
+          <a:p>
+            <a:pPr algn="l"/>
+            <a:endParaRPr lang="en-US" dirty="0">
+              <a:solidFill>
+                <a:srgbClr val="C00000"/>
+              </a:solidFill>
+              <a:latin typeface="Bodoni MT" panose="02070603080606020203" pitchFamily="18" charset="0"/>
+            </a:endParaRPr>
+          </a:p>
+        </p:txBody>
+      </p:sp>
+      <p:pic>
+        <p:nvPicPr>
+          <p:cNvPr id="7" name="Picture 6">
+            <a:extLst>
+              <a:ext uri="{FF2B5EF4-FFF2-40B4-BE49-F238E27FC236}">
+                <a16:creationId xmlns:a16="http://schemas.microsoft.com/office/drawing/2014/main" id="{16135160-2B30-42DE-87F1-8D10A1A923C8}"/>
+              </a:ext>
+            </a:extLst>
+          </p:cNvPr>
+          <p:cNvPicPr>
+            <a:picLocks noChangeAspect="1"/>
+          </p:cNvPicPr>
+          <p:nvPr/>
+        </p:nvPicPr>
+        <p:blipFill>
+          <a:blip r:embed="rId2"/>
+          <a:stretch>
+            <a:fillRect/>
+          </a:stretch>
+        </p:blipFill>
+        <p:spPr>
+          <a:xfrm>
+            <a:off x="1510748" y="1232451"/>
+            <a:ext cx="9163878" cy="5092399"/>
+          </a:xfrm>
+          <a:prstGeom prst="rect">
+            <a:avLst/>
+          </a:prstGeom>
+        </p:spPr>
+      </p:pic>
+    </p:spTree>
+    <p:extLst>
+      <p:ext uri="{BB962C8B-B14F-4D97-AF65-F5344CB8AC3E}">
+        <p14:creationId xmlns:p14="http://schemas.microsoft.com/office/powerpoint/2010/main" val="3375082794"/>
+      </p:ext>
+    </p:extLst>
+  </p:cSld>
+  <p:clrMapOvr>
+    <a:masterClrMapping/>
+  </p:clrMapOvr>
+</p:sld>
+</file>
+
+<file path=ppt/slides/slide9.xml><?xml version="1.0" encoding="utf-8"?>
+<p:sld xmlns:a="http://schemas.openxmlformats.org/drawingml/2006/main" xmlns:r="http://schemas.openxmlformats.org/officeDocument/2006/relationships" xmlns:p="http://schemas.openxmlformats.org/presentationml/2006/main">
+  <p:cSld>
+    <p:spTree>
+      <p:nvGrpSpPr>
+        <p:cNvPr id="1" name=""/>
+        <p:cNvGrpSpPr/>
+        <p:nvPr/>
+      </p:nvGrpSpPr>
+      <p:grpSpPr>
+        <a:xfrm>
+          <a:off x="0" y="0"/>
+          <a:ext cx="0" cy="0"/>
+          <a:chOff x="0" y="0"/>
+          <a:chExt cx="0" cy="0"/>
+        </a:xfrm>
+      </p:grpSpPr>
+      <p:sp>
+        <p:nvSpPr>
+          <p:cNvPr id="2" name="Title 1"/>
+          <p:cNvSpPr>
+            <a:spLocks noGrp="1"/>
+          </p:cNvSpPr>
+          <p:nvPr>
+            <p:ph type="ctrTitle"/>
+          </p:nvPr>
+        </p:nvSpPr>
+        <p:spPr>
+          <a:xfrm>
+            <a:off x="714895" y="412968"/>
+            <a:ext cx="10706792" cy="590203"/>
+          </a:xfrm>
+        </p:spPr>
+        <p:txBody>
+          <a:bodyPr anchor="ctr">
+            <a:noAutofit/>
+          </a:bodyPr>
+          <a:lstStyle/>
+          <a:p>
+            <a:r>
+              <a:rPr lang="en-US" sz="4400" b="1" dirty="0">
+                <a:solidFill>
+                  <a:srgbClr val="0070C0"/>
+                </a:solidFill>
+                <a:latin typeface="Bodoni MT" panose="02070603080606020203" pitchFamily="18" charset="0"/>
+              </a:rPr>
+              <a:t>US Cancer Incidence and Mortality</a:t>
+            </a:r>
+          </a:p>
+        </p:txBody>
+      </p:sp>
+      <p:sp>
+        <p:nvSpPr>
+          <p:cNvPr id="3" name="Subtitle 2"/>
+          <p:cNvSpPr>
+            <a:spLocks noGrp="1"/>
+          </p:cNvSpPr>
+          <p:nvPr>
+            <p:ph type="subTitle" idx="1"/>
+          </p:nvPr>
+        </p:nvSpPr>
+        <p:spPr>
+          <a:xfrm>
+            <a:off x="714895" y="1065801"/>
+            <a:ext cx="10706792" cy="5085618"/>
+          </a:xfrm>
+        </p:spPr>
+        <p:txBody>
+          <a:bodyPr>
+            <a:normAutofit/>
+          </a:bodyPr>
+          <a:lstStyle/>
+          <a:p>
+            <a:pPr algn="l"/>
+            <a:r>
+              <a:rPr lang="en-US" dirty="0">
                 <a:solidFill>
                   <a:srgbClr val="C00000"/>
                 </a:solidFill>
                 <a:latin typeface="Bodoni MT" panose="02070603080606020203" pitchFamily="18" charset="0"/>
               </a:rPr>
-              <a:t>Compare top 10 for Alabama, Alaska, and Arizona</a:t>
+              <a:t>Compare Top Ten Cancers for Alabama, Alaska, and Arizona</a:t>
             </a:r>
           </a:p>
           <a:p>

--- a/Project1/Cancer Incidence and Mortality Project 1.pptx
+++ b/Project1/Cancer Incidence and Mortality Project 1.pptx
@@ -6,14 +6,15 @@
   </p:sldMasterIdLst>
   <p:sldIdLst>
     <p:sldId id="256" r:id="rId2"/>
-    <p:sldId id="258" r:id="rId3"/>
-    <p:sldId id="259" r:id="rId4"/>
-    <p:sldId id="260" r:id="rId5"/>
-    <p:sldId id="261" r:id="rId6"/>
-    <p:sldId id="264" r:id="rId7"/>
-    <p:sldId id="257" r:id="rId8"/>
-    <p:sldId id="263" r:id="rId9"/>
-    <p:sldId id="262" r:id="rId10"/>
+    <p:sldId id="265" r:id="rId3"/>
+    <p:sldId id="258" r:id="rId4"/>
+    <p:sldId id="259" r:id="rId5"/>
+    <p:sldId id="260" r:id="rId6"/>
+    <p:sldId id="261" r:id="rId7"/>
+    <p:sldId id="264" r:id="rId8"/>
+    <p:sldId id="257" r:id="rId9"/>
+    <p:sldId id="263" r:id="rId10"/>
+    <p:sldId id="262" r:id="rId11"/>
   </p:sldIdLst>
   <p:sldSz cx="12192000" cy="6858000"/>
   <p:notesSz cx="6858000" cy="9144000"/>
@@ -253,7 +254,7 @@
           <a:p>
             <a:fld id="{2D34B32B-E5F7-4DAF-BD24-56632D65E8D5}" type="datetimeFigureOut">
               <a:rPr lang="en-US" smtClean="0"/>
-              <a:t>6/16/2019</a:t>
+              <a:t>6/17/2019</a:t>
             </a:fld>
             <a:endParaRPr lang="en-US"/>
           </a:p>
@@ -421,7 +422,7 @@
           <a:p>
             <a:fld id="{2D34B32B-E5F7-4DAF-BD24-56632D65E8D5}" type="datetimeFigureOut">
               <a:rPr lang="en-US" smtClean="0"/>
-              <a:t>6/16/2019</a:t>
+              <a:t>6/17/2019</a:t>
             </a:fld>
             <a:endParaRPr lang="en-US"/>
           </a:p>
@@ -599,7 +600,7 @@
           <a:p>
             <a:fld id="{2D34B32B-E5F7-4DAF-BD24-56632D65E8D5}" type="datetimeFigureOut">
               <a:rPr lang="en-US" smtClean="0"/>
-              <a:t>6/16/2019</a:t>
+              <a:t>6/17/2019</a:t>
             </a:fld>
             <a:endParaRPr lang="en-US"/>
           </a:p>
@@ -767,7 +768,7 @@
           <a:p>
             <a:fld id="{2D34B32B-E5F7-4DAF-BD24-56632D65E8D5}" type="datetimeFigureOut">
               <a:rPr lang="en-US" smtClean="0"/>
-              <a:t>6/16/2019</a:t>
+              <a:t>6/17/2019</a:t>
             </a:fld>
             <a:endParaRPr lang="en-US"/>
           </a:p>
@@ -1012,7 +1013,7 @@
           <a:p>
             <a:fld id="{2D34B32B-E5F7-4DAF-BD24-56632D65E8D5}" type="datetimeFigureOut">
               <a:rPr lang="en-US" smtClean="0"/>
-              <a:t>6/16/2019</a:t>
+              <a:t>6/17/2019</a:t>
             </a:fld>
             <a:endParaRPr lang="en-US"/>
           </a:p>
@@ -1241,7 +1242,7 @@
           <a:p>
             <a:fld id="{2D34B32B-E5F7-4DAF-BD24-56632D65E8D5}" type="datetimeFigureOut">
               <a:rPr lang="en-US" smtClean="0"/>
-              <a:t>6/16/2019</a:t>
+              <a:t>6/17/2019</a:t>
             </a:fld>
             <a:endParaRPr lang="en-US"/>
           </a:p>
@@ -1605,7 +1606,7 @@
           <a:p>
             <a:fld id="{2D34B32B-E5F7-4DAF-BD24-56632D65E8D5}" type="datetimeFigureOut">
               <a:rPr lang="en-US" smtClean="0"/>
-              <a:t>6/16/2019</a:t>
+              <a:t>6/17/2019</a:t>
             </a:fld>
             <a:endParaRPr lang="en-US"/>
           </a:p>
@@ -1722,7 +1723,7 @@
           <a:p>
             <a:fld id="{2D34B32B-E5F7-4DAF-BD24-56632D65E8D5}" type="datetimeFigureOut">
               <a:rPr lang="en-US" smtClean="0"/>
-              <a:t>6/16/2019</a:t>
+              <a:t>6/17/2019</a:t>
             </a:fld>
             <a:endParaRPr lang="en-US"/>
           </a:p>
@@ -1817,7 +1818,7 @@
           <a:p>
             <a:fld id="{2D34B32B-E5F7-4DAF-BD24-56632D65E8D5}" type="datetimeFigureOut">
               <a:rPr lang="en-US" smtClean="0"/>
-              <a:t>6/16/2019</a:t>
+              <a:t>6/17/2019</a:t>
             </a:fld>
             <a:endParaRPr lang="en-US"/>
           </a:p>
@@ -2092,7 +2093,7 @@
           <a:p>
             <a:fld id="{2D34B32B-E5F7-4DAF-BD24-56632D65E8D5}" type="datetimeFigureOut">
               <a:rPr lang="en-US" smtClean="0"/>
-              <a:t>6/16/2019</a:t>
+              <a:t>6/17/2019</a:t>
             </a:fld>
             <a:endParaRPr lang="en-US"/>
           </a:p>
@@ -2344,7 +2345,7 @@
           <a:p>
             <a:fld id="{2D34B32B-E5F7-4DAF-BD24-56632D65E8D5}" type="datetimeFigureOut">
               <a:rPr lang="en-US" smtClean="0"/>
-              <a:t>6/16/2019</a:t>
+              <a:t>6/17/2019</a:t>
             </a:fld>
             <a:endParaRPr lang="en-US"/>
           </a:p>
@@ -2555,7 +2556,7 @@
           <a:p>
             <a:fld id="{2D34B32B-E5F7-4DAF-BD24-56632D65E8D5}" type="datetimeFigureOut">
               <a:rPr lang="en-US" smtClean="0"/>
-              <a:t>6/16/2019</a:t>
+              <a:t>6/17/2019</a:t>
             </a:fld>
             <a:endParaRPr lang="en-US"/>
           </a:p>
@@ -2972,8 +2973,8 @@
         </p:nvSpPr>
         <p:spPr>
           <a:xfrm>
-            <a:off x="714895" y="665019"/>
-            <a:ext cx="10706792" cy="590203"/>
+            <a:off x="714895" y="339047"/>
+            <a:ext cx="10706792" cy="916175"/>
           </a:xfrm>
         </p:spPr>
         <p:txBody>
@@ -2989,8 +2990,40 @@
                 </a:solidFill>
                 <a:latin typeface="Bodoni MT" panose="02070603080606020203" pitchFamily="18" charset="0"/>
               </a:rPr>
-              <a:t>US Cancer Incidence and Mortality</a:t>
-            </a:r>
+              <a:t>US Cancer Incidence and </a:t>
+            </a:r>
+            <a:r>
+              <a:rPr lang="en-US" sz="4400" b="1" dirty="0" smtClean="0">
+                <a:solidFill>
+                  <a:srgbClr val="0070C0"/>
+                </a:solidFill>
+                <a:latin typeface="Bodoni MT" panose="02070603080606020203" pitchFamily="18" charset="0"/>
+              </a:rPr>
+              <a:t>Mortality</a:t>
+            </a:r>
+            <a:br>
+              <a:rPr lang="en-US" sz="4400" b="1" dirty="0" smtClean="0">
+                <a:solidFill>
+                  <a:srgbClr val="0070C0"/>
+                </a:solidFill>
+                <a:latin typeface="Bodoni MT" panose="02070603080606020203" pitchFamily="18" charset="0"/>
+              </a:rPr>
+            </a:br>
+            <a:r>
+              <a:rPr lang="en-US" sz="2000" b="1" dirty="0" smtClean="0">
+                <a:solidFill>
+                  <a:srgbClr val="0070C0"/>
+                </a:solidFill>
+                <a:latin typeface="Bodoni MT" panose="02070603080606020203" pitchFamily="18" charset="0"/>
+              </a:rPr>
+              <a:t>2016</a:t>
+            </a:r>
+            <a:endParaRPr lang="en-US" sz="2000" b="1" dirty="0">
+              <a:solidFill>
+                <a:srgbClr val="0070C0"/>
+              </a:solidFill>
+              <a:latin typeface="Bodoni MT" panose="02070603080606020203" pitchFamily="18" charset="0"/>
+            </a:endParaRPr>
           </a:p>
         </p:txBody>
       </p:sp>
@@ -3006,107 +3039,326 @@
         </p:nvSpPr>
         <p:spPr>
           <a:xfrm>
-            <a:off x="714895" y="1479665"/>
-            <a:ext cx="10706792" cy="4671753"/>
+            <a:off x="714895" y="1255223"/>
+            <a:ext cx="10706792" cy="4896196"/>
           </a:xfrm>
         </p:spPr>
         <p:txBody>
           <a:bodyPr>
-            <a:normAutofit lnSpcReduction="10000"/>
+            <a:normAutofit/>
           </a:bodyPr>
           <a:lstStyle/>
           <a:p>
+            <a:pPr marL="514350" indent="-514350" algn="l">
+              <a:buFont typeface="+mj-lt"/>
+              <a:buAutoNum type="arabicPeriod"/>
+            </a:pPr>
+            <a:r>
+              <a:rPr lang="en-US" sz="2800" b="1" dirty="0">
+                <a:solidFill>
+                  <a:srgbClr val="C00000"/>
+                </a:solidFill>
+                <a:latin typeface="Bodoni MT" panose="02070603080606020203" pitchFamily="18" charset="0"/>
+              </a:rPr>
+              <a:t>Top Ten Cancers Causing </a:t>
+            </a:r>
+            <a:r>
+              <a:rPr lang="en-US" sz="2800" b="1" dirty="0" smtClean="0">
+                <a:solidFill>
+                  <a:srgbClr val="C00000"/>
+                </a:solidFill>
+                <a:latin typeface="Bodoni MT" panose="02070603080606020203" pitchFamily="18" charset="0"/>
+              </a:rPr>
+              <a:t>Deaths</a:t>
+            </a:r>
+          </a:p>
+          <a:p>
+            <a:pPr marL="742950" lvl="1" indent="-285750" algn="l">
+              <a:buFont typeface="Arial" panose="020B0604020202020204" pitchFamily="34" charset="0"/>
+              <a:buChar char="•"/>
+            </a:pPr>
+            <a:r>
+              <a:rPr lang="en-US" sz="1600" dirty="0">
+                <a:solidFill>
+                  <a:srgbClr val="C00000"/>
+                </a:solidFill>
+                <a:latin typeface="Bodoni MT" panose="02070603080606020203" pitchFamily="18" charset="0"/>
+              </a:rPr>
+              <a:t>All Cancers, All Ages, All Races, </a:t>
+            </a:r>
+            <a:r>
+              <a:rPr lang="en-US" sz="1600" dirty="0" smtClean="0">
+                <a:solidFill>
+                  <a:srgbClr val="C00000"/>
+                </a:solidFill>
+                <a:latin typeface="Bodoni MT" panose="02070603080606020203" pitchFamily="18" charset="0"/>
+              </a:rPr>
+              <a:t>Both </a:t>
+            </a:r>
+            <a:r>
+              <a:rPr lang="en-US" sz="1600" dirty="0">
+                <a:solidFill>
+                  <a:srgbClr val="C00000"/>
+                </a:solidFill>
+                <a:latin typeface="Bodoni MT" panose="02070603080606020203" pitchFamily="18" charset="0"/>
+              </a:rPr>
+              <a:t>Male and </a:t>
+            </a:r>
+            <a:r>
+              <a:rPr lang="en-US" sz="1600" dirty="0" smtClean="0">
+                <a:solidFill>
+                  <a:srgbClr val="C00000"/>
+                </a:solidFill>
+                <a:latin typeface="Bodoni MT" panose="02070603080606020203" pitchFamily="18" charset="0"/>
+              </a:rPr>
+              <a:t>Female, 2016</a:t>
+            </a:r>
+            <a:endParaRPr lang="en-US" sz="1200" b="1" dirty="0" smtClean="0">
+              <a:solidFill>
+                <a:srgbClr val="C00000"/>
+              </a:solidFill>
+              <a:latin typeface="Bodoni MT" panose="02070603080606020203" pitchFamily="18" charset="0"/>
+            </a:endParaRPr>
+          </a:p>
+          <a:p>
+            <a:pPr marL="800100" lvl="1" indent="-342900" algn="l">
+              <a:buFont typeface="Wingdings" panose="05000000000000000000" pitchFamily="2" charset="2"/>
+              <a:buChar char="Ø"/>
+            </a:pPr>
+            <a:r>
+              <a:rPr lang="en-US" sz="2400" b="1" u="sng" dirty="0" smtClean="0">
+                <a:solidFill>
+                  <a:srgbClr val="0070C0"/>
+                </a:solidFill>
+                <a:latin typeface="Bodoni MT" panose="02070603080606020203" pitchFamily="18" charset="0"/>
+              </a:rPr>
+              <a:t>Maryland</a:t>
+            </a:r>
+          </a:p>
+          <a:p>
+            <a:pPr marL="800100" lvl="1" indent="-342900" algn="l">
+              <a:buFont typeface="Wingdings" panose="05000000000000000000" pitchFamily="2" charset="2"/>
+              <a:buChar char="Ø"/>
+            </a:pPr>
+            <a:r>
+              <a:rPr lang="en-US" sz="2400" b="1" u="sng" dirty="0" smtClean="0">
+                <a:solidFill>
+                  <a:srgbClr val="0070C0"/>
+                </a:solidFill>
+                <a:latin typeface="Bodoni MT" panose="02070603080606020203" pitchFamily="18" charset="0"/>
+              </a:rPr>
+              <a:t>US</a:t>
+            </a:r>
+            <a:endParaRPr lang="en-US" b="1" dirty="0">
+              <a:solidFill>
+                <a:srgbClr val="C00000"/>
+              </a:solidFill>
+              <a:latin typeface="Bodoni MT" panose="02070603080606020203" pitchFamily="18" charset="0"/>
+            </a:endParaRPr>
+          </a:p>
+          <a:p>
+            <a:pPr marL="514350" indent="-514350" algn="l">
+              <a:buFont typeface="+mj-lt"/>
+              <a:buAutoNum type="arabicPeriod" startAt="2"/>
+            </a:pPr>
+            <a:r>
+              <a:rPr lang="en-US" sz="2800" b="1" dirty="0">
+                <a:solidFill>
+                  <a:srgbClr val="C00000"/>
+                </a:solidFill>
+                <a:latin typeface="Bodoni MT" panose="02070603080606020203" pitchFamily="18" charset="0"/>
+              </a:rPr>
+              <a:t>Lung and Bronchus: Cause of Most Cancer Deaths </a:t>
+            </a:r>
+            <a:endParaRPr lang="en-US" sz="2800" b="1" dirty="0">
+              <a:solidFill>
+                <a:srgbClr val="C00000"/>
+              </a:solidFill>
+              <a:latin typeface="Bodoni MT" panose="02070603080606020203" pitchFamily="18" charset="0"/>
+            </a:endParaRPr>
+          </a:p>
+          <a:p>
+            <a:pPr marL="742950" lvl="1" indent="-285750" algn="l">
+              <a:buFont typeface="Arial" panose="020B0604020202020204" pitchFamily="34" charset="0"/>
+              <a:buChar char="•"/>
+            </a:pPr>
+            <a:r>
+              <a:rPr lang="en-US" sz="1600" dirty="0" smtClean="0">
+                <a:solidFill>
+                  <a:srgbClr val="C00000"/>
+                </a:solidFill>
+                <a:latin typeface="Bodoni MT" panose="02070603080606020203" pitchFamily="18" charset="0"/>
+              </a:rPr>
+              <a:t>All </a:t>
+            </a:r>
+            <a:r>
+              <a:rPr lang="en-US" sz="1600" dirty="0">
+                <a:solidFill>
+                  <a:srgbClr val="C00000"/>
+                </a:solidFill>
+                <a:latin typeface="Bodoni MT" panose="02070603080606020203" pitchFamily="18" charset="0"/>
+              </a:rPr>
+              <a:t>Ages, All Races, Both Male and Female, </a:t>
+            </a:r>
+            <a:r>
+              <a:rPr lang="en-US" sz="1600" dirty="0" smtClean="0">
+                <a:solidFill>
+                  <a:srgbClr val="C00000"/>
+                </a:solidFill>
+                <a:latin typeface="Bodoni MT" panose="02070603080606020203" pitchFamily="18" charset="0"/>
+              </a:rPr>
+              <a:t>2016</a:t>
+            </a:r>
+            <a:endParaRPr lang="en-US" sz="1600" b="1" dirty="0" smtClean="0">
+              <a:solidFill>
+                <a:srgbClr val="C00000"/>
+              </a:solidFill>
+              <a:latin typeface="Bodoni MT" panose="02070603080606020203" pitchFamily="18" charset="0"/>
+            </a:endParaRPr>
+          </a:p>
+          <a:p>
+            <a:pPr marL="800100" lvl="1" indent="-342900" algn="l">
+              <a:buFont typeface="Wingdings" panose="05000000000000000000" pitchFamily="2" charset="2"/>
+              <a:buChar char="Ø"/>
+            </a:pPr>
+            <a:r>
+              <a:rPr lang="en-US" sz="2400" b="1" u="sng" dirty="0">
+                <a:solidFill>
+                  <a:srgbClr val="0070C0"/>
+                </a:solidFill>
+                <a:latin typeface="Bodoni MT" panose="02070603080606020203" pitchFamily="18" charset="0"/>
+              </a:rPr>
+              <a:t>Shown </a:t>
+            </a:r>
+            <a:r>
+              <a:rPr lang="en-US" sz="2400" b="1" u="sng" dirty="0">
+                <a:solidFill>
+                  <a:srgbClr val="0070C0"/>
+                </a:solidFill>
+                <a:latin typeface="Bodoni MT" panose="02070603080606020203" pitchFamily="18" charset="0"/>
+              </a:rPr>
+              <a:t>by </a:t>
+            </a:r>
+            <a:r>
+              <a:rPr lang="en-US" sz="2400" b="1" u="sng" dirty="0">
+                <a:solidFill>
+                  <a:srgbClr val="0070C0"/>
+                </a:solidFill>
+                <a:latin typeface="Bodoni MT" panose="02070603080606020203" pitchFamily="18" charset="0"/>
+              </a:rPr>
+              <a:t>State</a:t>
+            </a:r>
+          </a:p>
+          <a:p>
+            <a:pPr marL="514350" indent="-514350" algn="l">
+              <a:buFont typeface="+mj-lt"/>
+              <a:buAutoNum type="arabicPeriod" startAt="3"/>
+            </a:pPr>
+            <a:r>
+              <a:rPr lang="en-US" sz="2800" b="1" dirty="0" smtClean="0">
+                <a:solidFill>
+                  <a:srgbClr val="C00000"/>
+                </a:solidFill>
+                <a:latin typeface="Bodoni MT" panose="02070603080606020203" pitchFamily="18" charset="0"/>
+              </a:rPr>
+              <a:t>Comparison in 3 States: Top </a:t>
+            </a:r>
+            <a:r>
+              <a:rPr lang="en-US" sz="2800" b="1" dirty="0">
+                <a:solidFill>
+                  <a:srgbClr val="C00000"/>
+                </a:solidFill>
+                <a:latin typeface="Bodoni MT" panose="02070603080606020203" pitchFamily="18" charset="0"/>
+              </a:rPr>
+              <a:t>Ten </a:t>
+            </a:r>
+            <a:r>
+              <a:rPr lang="en-US" sz="2800" b="1" dirty="0" smtClean="0">
+                <a:solidFill>
+                  <a:srgbClr val="C00000"/>
+                </a:solidFill>
+                <a:latin typeface="Bodoni MT" panose="02070603080606020203" pitchFamily="18" charset="0"/>
+              </a:rPr>
+              <a:t>Cancers</a:t>
+            </a:r>
+          </a:p>
+          <a:p>
+            <a:pPr marL="742950" lvl="1" indent="-285750" algn="l">
+              <a:buFont typeface="Arial" panose="020B0604020202020204" pitchFamily="34" charset="0"/>
+              <a:buChar char="•"/>
+            </a:pPr>
+            <a:r>
+              <a:rPr lang="en-US" sz="1600" dirty="0">
+                <a:solidFill>
+                  <a:srgbClr val="C00000"/>
+                </a:solidFill>
+                <a:latin typeface="Bodoni MT" panose="02070603080606020203" pitchFamily="18" charset="0"/>
+              </a:rPr>
+              <a:t>All Cancers, All Ages, All Races, Both Male and Female, 2016</a:t>
+            </a:r>
+            <a:endParaRPr lang="en-US" sz="1600" b="1" dirty="0">
+              <a:solidFill>
+                <a:srgbClr val="C00000"/>
+              </a:solidFill>
+              <a:latin typeface="Bodoni MT" panose="02070603080606020203" pitchFamily="18" charset="0"/>
+            </a:endParaRPr>
+          </a:p>
+          <a:p>
+            <a:pPr marL="800100" lvl="1" indent="-342900" algn="l">
+              <a:buFont typeface="Wingdings" panose="05000000000000000000" pitchFamily="2" charset="2"/>
+              <a:buChar char="Ø"/>
+            </a:pPr>
+            <a:r>
+              <a:rPr lang="en-US" sz="2400" b="1" u="sng" dirty="0" smtClean="0">
+                <a:solidFill>
+                  <a:srgbClr val="0070C0"/>
+                </a:solidFill>
+                <a:latin typeface="Bodoni MT" panose="02070603080606020203" pitchFamily="18" charset="0"/>
+              </a:rPr>
+              <a:t>Alabama</a:t>
+            </a:r>
+            <a:r>
+              <a:rPr lang="en-US" sz="2400" b="1" u="sng" dirty="0">
+                <a:solidFill>
+                  <a:srgbClr val="0070C0"/>
+                </a:solidFill>
+                <a:latin typeface="Bodoni MT" panose="02070603080606020203" pitchFamily="18" charset="0"/>
+              </a:rPr>
+              <a:t>, Alaska, and </a:t>
+            </a:r>
+            <a:r>
+              <a:rPr lang="en-US" sz="2400" b="1" u="sng" dirty="0" smtClean="0">
+                <a:solidFill>
+                  <a:srgbClr val="0070C0"/>
+                </a:solidFill>
+                <a:latin typeface="Bodoni MT" panose="02070603080606020203" pitchFamily="18" charset="0"/>
+              </a:rPr>
+              <a:t>Arizona</a:t>
+            </a:r>
+            <a:endParaRPr lang="en-US" sz="2400" b="1" u="sng" dirty="0">
+              <a:solidFill>
+                <a:srgbClr val="0070C0"/>
+              </a:solidFill>
+              <a:latin typeface="Bodoni MT" panose="02070603080606020203" pitchFamily="18" charset="0"/>
+            </a:endParaRPr>
+          </a:p>
+          <a:p>
             <a:pPr algn="l"/>
-            <a:r>
-              <a:rPr lang="en-US" dirty="0">
-                <a:latin typeface="Bodoni MT" panose="02070603080606020203" pitchFamily="18" charset="0"/>
-              </a:rPr>
-              <a:t>Cancer Rate (rate per 100,000 people): This number is represented as a percentage</a:t>
-            </a:r>
+            <a:endParaRPr lang="en-US" b="1" dirty="0">
+              <a:solidFill>
+                <a:srgbClr val="C00000"/>
+              </a:solidFill>
+              <a:latin typeface="Bodoni MT" panose="02070603080606020203" pitchFamily="18" charset="0"/>
+            </a:endParaRPr>
           </a:p>
           <a:p>
             <a:pPr algn="l"/>
-            <a:r>
-              <a:rPr lang="en-US" dirty="0">
-                <a:latin typeface="Bodoni MT" panose="02070603080606020203" pitchFamily="18" charset="0"/>
-              </a:rPr>
-              <a:t>	Rate of cancer diagnoses</a:t>
-            </a:r>
-          </a:p>
-          <a:p>
-            <a:pPr algn="l"/>
-            <a:r>
-              <a:rPr lang="en-US" dirty="0">
-                <a:latin typeface="Bodoni MT" panose="02070603080606020203" pitchFamily="18" charset="0"/>
-              </a:rPr>
-              <a:t>	Rate of cancer deaths</a:t>
-            </a:r>
-          </a:p>
-          <a:p>
-            <a:pPr algn="l"/>
-            <a:r>
-              <a:rPr lang="en-US" dirty="0">
-                <a:latin typeface="Bodoni MT" panose="02070603080606020203" pitchFamily="18" charset="0"/>
-              </a:rPr>
-              <a:t>Cancer Case Count</a:t>
-            </a:r>
-          </a:p>
-          <a:p>
-            <a:pPr algn="l"/>
-            <a:r>
-              <a:rPr lang="en-US" dirty="0">
-                <a:latin typeface="Bodoni MT" panose="02070603080606020203" pitchFamily="18" charset="0"/>
-              </a:rPr>
-              <a:t>	Cancer Incidence: the number of new cases diagnosed.</a:t>
-            </a:r>
-          </a:p>
-          <a:p>
-            <a:pPr algn="l"/>
-            <a:r>
-              <a:rPr lang="en-US" dirty="0">
-                <a:latin typeface="Bodoni MT" panose="02070603080606020203" pitchFamily="18" charset="0"/>
-              </a:rPr>
-              <a:t>	Cancer Mortality: the number of cancer deaths.</a:t>
-            </a:r>
-          </a:p>
-          <a:p>
-            <a:pPr algn="l"/>
-            <a:r>
-              <a:rPr lang="en-US" dirty="0">
-                <a:latin typeface="Bodoni MT" panose="02070603080606020203" pitchFamily="18" charset="0"/>
-              </a:rPr>
-              <a:t>Cancer Trends: change over time</a:t>
-            </a:r>
-          </a:p>
-          <a:p>
-            <a:pPr algn="l"/>
-            <a:r>
-              <a:rPr lang="en-US" dirty="0">
-                <a:latin typeface="Bodoni MT" panose="02070603080606020203" pitchFamily="18" charset="0"/>
-              </a:rPr>
-              <a:t>	Cancer Rate Trends</a:t>
-            </a:r>
-          </a:p>
-          <a:p>
-            <a:pPr algn="l"/>
-            <a:r>
-              <a:rPr lang="en-US" dirty="0">
-                <a:latin typeface="Bodoni MT" panose="02070603080606020203" pitchFamily="18" charset="0"/>
-              </a:rPr>
-              <a:t>	Cancer Case Count Trends</a:t>
-            </a:r>
-          </a:p>
-          <a:p>
-            <a:pPr algn="l"/>
-            <a:r>
-              <a:rPr lang="en-US" dirty="0">
-                <a:solidFill>
-                  <a:srgbClr val="C00000"/>
-                </a:solidFill>
-                <a:latin typeface="Bodoni MT" panose="02070603080606020203" pitchFamily="18" charset="0"/>
-              </a:rPr>
-              <a:t>NOTE: It is possible for the rate over time to trend down even though the counts increase during the same timespan. This is due to the increase in population.</a:t>
-            </a:r>
+            <a:endParaRPr lang="en-US" dirty="0">
+              <a:solidFill>
+                <a:srgbClr val="C00000"/>
+              </a:solidFill>
+              <a:latin typeface="Bodoni MT" panose="02070603080606020203" pitchFamily="18" charset="0"/>
+            </a:endParaRPr>
           </a:p>
         </p:txBody>
       </p:sp>
@@ -3123,7 +3375,319 @@
 </p:sld>
 </file>
 
+<file path=ppt/slides/slide10.xml><?xml version="1.0" encoding="utf-8"?>
+<p:sld xmlns:a="http://schemas.openxmlformats.org/drawingml/2006/main" xmlns:r="http://schemas.openxmlformats.org/officeDocument/2006/relationships" xmlns:p="http://schemas.openxmlformats.org/presentationml/2006/main">
+  <p:cSld>
+    <p:spTree>
+      <p:nvGrpSpPr>
+        <p:cNvPr id="1" name=""/>
+        <p:cNvGrpSpPr/>
+        <p:nvPr/>
+      </p:nvGrpSpPr>
+      <p:grpSpPr>
+        <a:xfrm>
+          <a:off x="0" y="0"/>
+          <a:ext cx="0" cy="0"/>
+          <a:chOff x="0" y="0"/>
+          <a:chExt cx="0" cy="0"/>
+        </a:xfrm>
+      </p:grpSpPr>
+      <p:sp>
+        <p:nvSpPr>
+          <p:cNvPr id="2" name="Title 1"/>
+          <p:cNvSpPr>
+            <a:spLocks noGrp="1"/>
+          </p:cNvSpPr>
+          <p:nvPr>
+            <p:ph type="ctrTitle"/>
+          </p:nvPr>
+        </p:nvSpPr>
+        <p:spPr>
+          <a:xfrm>
+            <a:off x="714895" y="412968"/>
+            <a:ext cx="10706792" cy="590203"/>
+          </a:xfrm>
+        </p:spPr>
+        <p:txBody>
+          <a:bodyPr anchor="ctr">
+            <a:noAutofit/>
+          </a:bodyPr>
+          <a:lstStyle/>
+          <a:p>
+            <a:r>
+              <a:rPr lang="en-US" sz="4400" b="1" dirty="0">
+                <a:solidFill>
+                  <a:srgbClr val="0070C0"/>
+                </a:solidFill>
+                <a:latin typeface="Bodoni MT" panose="02070603080606020203" pitchFamily="18" charset="0"/>
+              </a:rPr>
+              <a:t>US Cancer Incidence and Mortality</a:t>
+            </a:r>
+          </a:p>
+        </p:txBody>
+      </p:sp>
+      <p:sp>
+        <p:nvSpPr>
+          <p:cNvPr id="3" name="Subtitle 2"/>
+          <p:cNvSpPr>
+            <a:spLocks noGrp="1"/>
+          </p:cNvSpPr>
+          <p:nvPr>
+            <p:ph type="subTitle" idx="1"/>
+          </p:nvPr>
+        </p:nvSpPr>
+        <p:spPr>
+          <a:xfrm>
+            <a:off x="714895" y="1065801"/>
+            <a:ext cx="10706792" cy="5085618"/>
+          </a:xfrm>
+        </p:spPr>
+        <p:txBody>
+          <a:bodyPr>
+            <a:normAutofit/>
+          </a:bodyPr>
+          <a:lstStyle/>
+          <a:p>
+            <a:pPr algn="l"/>
+            <a:r>
+              <a:rPr lang="en-US" dirty="0">
+                <a:solidFill>
+                  <a:srgbClr val="C00000"/>
+                </a:solidFill>
+                <a:latin typeface="Bodoni MT" panose="02070603080606020203" pitchFamily="18" charset="0"/>
+              </a:rPr>
+              <a:t>Compare Top Ten Cancers for Alabama, Alaska, and Arizona</a:t>
+            </a:r>
+          </a:p>
+          <a:p>
+            <a:pPr algn="l"/>
+            <a:endParaRPr lang="en-US" dirty="0">
+              <a:solidFill>
+                <a:srgbClr val="C00000"/>
+              </a:solidFill>
+              <a:latin typeface="Bodoni MT" panose="02070603080606020203" pitchFamily="18" charset="0"/>
+            </a:endParaRPr>
+          </a:p>
+        </p:txBody>
+      </p:sp>
+      <p:pic>
+        <p:nvPicPr>
+          <p:cNvPr id="4" name="Picture 3"/>
+          <p:cNvPicPr>
+            <a:picLocks noChangeAspect="1"/>
+          </p:cNvPicPr>
+          <p:nvPr/>
+        </p:nvPicPr>
+        <p:blipFill>
+          <a:blip r:embed="rId2"/>
+          <a:stretch>
+            <a:fillRect/>
+          </a:stretch>
+        </p:blipFill>
+        <p:spPr>
+          <a:xfrm>
+            <a:off x="1625600" y="1634066"/>
+            <a:ext cx="8678333" cy="5020733"/>
+          </a:xfrm>
+          <a:prstGeom prst="rect">
+            <a:avLst/>
+          </a:prstGeom>
+        </p:spPr>
+      </p:pic>
+    </p:spTree>
+    <p:extLst>
+      <p:ext uri="{BB962C8B-B14F-4D97-AF65-F5344CB8AC3E}">
+        <p14:creationId xmlns:p14="http://schemas.microsoft.com/office/powerpoint/2010/main" val="4063858725"/>
+      </p:ext>
+    </p:extLst>
+  </p:cSld>
+  <p:clrMapOvr>
+    <a:masterClrMapping/>
+  </p:clrMapOvr>
+</p:sld>
+</file>
+
 <file path=ppt/slides/slide2.xml><?xml version="1.0" encoding="utf-8"?>
+<p:sld xmlns:a="http://schemas.openxmlformats.org/drawingml/2006/main" xmlns:r="http://schemas.openxmlformats.org/officeDocument/2006/relationships" xmlns:p="http://schemas.openxmlformats.org/presentationml/2006/main">
+  <p:cSld>
+    <p:spTree>
+      <p:nvGrpSpPr>
+        <p:cNvPr id="1" name=""/>
+        <p:cNvGrpSpPr/>
+        <p:nvPr/>
+      </p:nvGrpSpPr>
+      <p:grpSpPr>
+        <a:xfrm>
+          <a:off x="0" y="0"/>
+          <a:ext cx="0" cy="0"/>
+          <a:chOff x="0" y="0"/>
+          <a:chExt cx="0" cy="0"/>
+        </a:xfrm>
+      </p:grpSpPr>
+      <p:sp>
+        <p:nvSpPr>
+          <p:cNvPr id="2" name="Title 1"/>
+          <p:cNvSpPr>
+            <a:spLocks noGrp="1"/>
+          </p:cNvSpPr>
+          <p:nvPr>
+            <p:ph type="ctrTitle"/>
+          </p:nvPr>
+        </p:nvSpPr>
+        <p:spPr>
+          <a:xfrm>
+            <a:off x="714895" y="665019"/>
+            <a:ext cx="10706792" cy="590203"/>
+          </a:xfrm>
+        </p:spPr>
+        <p:txBody>
+          <a:bodyPr anchor="ctr">
+            <a:noAutofit/>
+          </a:bodyPr>
+          <a:lstStyle/>
+          <a:p>
+            <a:r>
+              <a:rPr lang="en-US" sz="4400" b="1" dirty="0">
+                <a:solidFill>
+                  <a:srgbClr val="0070C0"/>
+                </a:solidFill>
+                <a:latin typeface="Bodoni MT" panose="02070603080606020203" pitchFamily="18" charset="0"/>
+              </a:rPr>
+              <a:t>US Cancer Incidence and Mortality</a:t>
+            </a:r>
+          </a:p>
+        </p:txBody>
+      </p:sp>
+      <p:sp>
+        <p:nvSpPr>
+          <p:cNvPr id="3" name="Subtitle 2"/>
+          <p:cNvSpPr>
+            <a:spLocks noGrp="1"/>
+          </p:cNvSpPr>
+          <p:nvPr>
+            <p:ph type="subTitle" idx="1"/>
+          </p:nvPr>
+        </p:nvSpPr>
+        <p:spPr>
+          <a:xfrm>
+            <a:off x="714895" y="1479665"/>
+            <a:ext cx="10706792" cy="4671753"/>
+          </a:xfrm>
+        </p:spPr>
+        <p:txBody>
+          <a:bodyPr>
+            <a:normAutofit lnSpcReduction="10000"/>
+          </a:bodyPr>
+          <a:lstStyle/>
+          <a:p>
+            <a:pPr algn="l"/>
+            <a:r>
+              <a:rPr lang="en-US" dirty="0">
+                <a:latin typeface="Bodoni MT" panose="02070603080606020203" pitchFamily="18" charset="0"/>
+              </a:rPr>
+              <a:t>Cancer Rate (rate per 100,000 people): This number is represented as a percentage</a:t>
+            </a:r>
+          </a:p>
+          <a:p>
+            <a:pPr algn="l"/>
+            <a:r>
+              <a:rPr lang="en-US" dirty="0">
+                <a:latin typeface="Bodoni MT" panose="02070603080606020203" pitchFamily="18" charset="0"/>
+              </a:rPr>
+              <a:t>	Rate of cancer diagnoses</a:t>
+            </a:r>
+          </a:p>
+          <a:p>
+            <a:pPr algn="l"/>
+            <a:r>
+              <a:rPr lang="en-US" dirty="0">
+                <a:latin typeface="Bodoni MT" panose="02070603080606020203" pitchFamily="18" charset="0"/>
+              </a:rPr>
+              <a:t>	Rate of cancer deaths</a:t>
+            </a:r>
+          </a:p>
+          <a:p>
+            <a:pPr algn="l"/>
+            <a:r>
+              <a:rPr lang="en-US" dirty="0">
+                <a:latin typeface="Bodoni MT" panose="02070603080606020203" pitchFamily="18" charset="0"/>
+              </a:rPr>
+              <a:t>Cancer Case Count</a:t>
+            </a:r>
+          </a:p>
+          <a:p>
+            <a:pPr algn="l"/>
+            <a:r>
+              <a:rPr lang="en-US" dirty="0">
+                <a:latin typeface="Bodoni MT" panose="02070603080606020203" pitchFamily="18" charset="0"/>
+              </a:rPr>
+              <a:t>	Cancer Incidence: the number of new cases diagnosed.</a:t>
+            </a:r>
+          </a:p>
+          <a:p>
+            <a:pPr algn="l"/>
+            <a:r>
+              <a:rPr lang="en-US" dirty="0">
+                <a:latin typeface="Bodoni MT" panose="02070603080606020203" pitchFamily="18" charset="0"/>
+              </a:rPr>
+              <a:t>	Cancer Mortality: the number of cancer deaths.</a:t>
+            </a:r>
+          </a:p>
+          <a:p>
+            <a:pPr algn="l"/>
+            <a:r>
+              <a:rPr lang="en-US" dirty="0">
+                <a:latin typeface="Bodoni MT" panose="02070603080606020203" pitchFamily="18" charset="0"/>
+              </a:rPr>
+              <a:t>Cancer Trends: change over time</a:t>
+            </a:r>
+          </a:p>
+          <a:p>
+            <a:pPr algn="l"/>
+            <a:r>
+              <a:rPr lang="en-US" dirty="0">
+                <a:latin typeface="Bodoni MT" panose="02070603080606020203" pitchFamily="18" charset="0"/>
+              </a:rPr>
+              <a:t>	Cancer Rate Trends</a:t>
+            </a:r>
+          </a:p>
+          <a:p>
+            <a:pPr algn="l"/>
+            <a:r>
+              <a:rPr lang="en-US" dirty="0">
+                <a:latin typeface="Bodoni MT" panose="02070603080606020203" pitchFamily="18" charset="0"/>
+              </a:rPr>
+              <a:t>	Cancer Case Count Trends</a:t>
+            </a:r>
+          </a:p>
+          <a:p>
+            <a:pPr algn="l"/>
+            <a:r>
+              <a:rPr lang="en-US" dirty="0">
+                <a:solidFill>
+                  <a:srgbClr val="C00000"/>
+                </a:solidFill>
+                <a:latin typeface="Bodoni MT" panose="02070603080606020203" pitchFamily="18" charset="0"/>
+              </a:rPr>
+              <a:t>NOTE: It is possible for the rate over time to trend down even though the counts increase during the same timespan. This is due to the increase in population.</a:t>
+            </a:r>
+          </a:p>
+        </p:txBody>
+      </p:sp>
+    </p:spTree>
+    <p:extLst>
+      <p:ext uri="{BB962C8B-B14F-4D97-AF65-F5344CB8AC3E}">
+        <p14:creationId xmlns:p14="http://schemas.microsoft.com/office/powerpoint/2010/main" val="1216615397"/>
+      </p:ext>
+    </p:extLst>
+  </p:cSld>
+  <p:clrMapOvr>
+    <a:masterClrMapping/>
+  </p:clrMapOvr>
+</p:sld>
+</file>
+
+<file path=ppt/slides/slide3.xml><?xml version="1.0" encoding="utf-8"?>
 <p:sld xmlns:a="http://schemas.openxmlformats.org/drawingml/2006/main" xmlns:r="http://schemas.openxmlformats.org/officeDocument/2006/relationships" xmlns:p="http://schemas.openxmlformats.org/presentationml/2006/main">
   <p:cSld>
     <p:spTree>
@@ -3327,7 +3891,7 @@
 </p:sld>
 </file>
 
-<file path=ppt/slides/slide3.xml><?xml version="1.0" encoding="utf-8"?>
+<file path=ppt/slides/slide4.xml><?xml version="1.0" encoding="utf-8"?>
 <p:sld xmlns:a="http://schemas.openxmlformats.org/drawingml/2006/main" xmlns:r="http://schemas.openxmlformats.org/officeDocument/2006/relationships" xmlns:p="http://schemas.openxmlformats.org/presentationml/2006/main">
   <p:cSld>
     <p:spTree>
@@ -3539,7 +4103,7 @@
 </p:sld>
 </file>
 
-<file path=ppt/slides/slide4.xml><?xml version="1.0" encoding="utf-8"?>
+<file path=ppt/slides/slide5.xml><?xml version="1.0" encoding="utf-8"?>
 <p:sld xmlns:a="http://schemas.openxmlformats.org/drawingml/2006/main" xmlns:r="http://schemas.openxmlformats.org/officeDocument/2006/relationships" xmlns:p="http://schemas.openxmlformats.org/presentationml/2006/main">
   <p:cSld>
     <p:spTree>
@@ -3701,170 +4265,6 @@
     <p:extLst>
       <p:ext uri="{BB962C8B-B14F-4D97-AF65-F5344CB8AC3E}">
         <p14:creationId xmlns:p14="http://schemas.microsoft.com/office/powerpoint/2010/main" val="3561229793"/>
-      </p:ext>
-    </p:extLst>
-  </p:cSld>
-  <p:clrMapOvr>
-    <a:masterClrMapping/>
-  </p:clrMapOvr>
-</p:sld>
-</file>
-
-<file path=ppt/slides/slide5.xml><?xml version="1.0" encoding="utf-8"?>
-<p:sld xmlns:a="http://schemas.openxmlformats.org/drawingml/2006/main" xmlns:r="http://schemas.openxmlformats.org/officeDocument/2006/relationships" xmlns:p="http://schemas.openxmlformats.org/presentationml/2006/main">
-  <p:cSld>
-    <p:spTree>
-      <p:nvGrpSpPr>
-        <p:cNvPr id="1" name=""/>
-        <p:cNvGrpSpPr/>
-        <p:nvPr/>
-      </p:nvGrpSpPr>
-      <p:grpSpPr>
-        <a:xfrm>
-          <a:off x="0" y="0"/>
-          <a:ext cx="0" cy="0"/>
-          <a:chOff x="0" y="0"/>
-          <a:chExt cx="0" cy="0"/>
-        </a:xfrm>
-      </p:grpSpPr>
-      <p:sp>
-        <p:nvSpPr>
-          <p:cNvPr id="2" name="Title 1"/>
-          <p:cNvSpPr>
-            <a:spLocks noGrp="1"/>
-          </p:cNvSpPr>
-          <p:nvPr>
-            <p:ph type="ctrTitle"/>
-          </p:nvPr>
-        </p:nvSpPr>
-        <p:spPr>
-          <a:xfrm>
-            <a:off x="714895" y="368618"/>
-            <a:ext cx="10706792" cy="590203"/>
-          </a:xfrm>
-        </p:spPr>
-        <p:txBody>
-          <a:bodyPr anchor="ctr">
-            <a:noAutofit/>
-          </a:bodyPr>
-          <a:lstStyle/>
-          <a:p>
-            <a:r>
-              <a:rPr lang="en-US" sz="4400" b="1" dirty="0">
-                <a:solidFill>
-                  <a:srgbClr val="0070C0"/>
-                </a:solidFill>
-                <a:latin typeface="Bodoni MT" panose="02070603080606020203" pitchFamily="18" charset="0"/>
-              </a:rPr>
-              <a:t>US Cancer Incidence and Mortality</a:t>
-            </a:r>
-          </a:p>
-        </p:txBody>
-      </p:sp>
-      <p:pic>
-        <p:nvPicPr>
-          <p:cNvPr id="5" name="Picture 4">
-            <a:extLst>
-              <a:ext uri="{FF2B5EF4-FFF2-40B4-BE49-F238E27FC236}">
-                <a16:creationId xmlns:a16="http://schemas.microsoft.com/office/drawing/2014/main" id="{64B06277-7BD6-4F8B-86D0-CFC14A33E38E}"/>
-              </a:ext>
-            </a:extLst>
-          </p:cNvPr>
-          <p:cNvPicPr>
-            <a:picLocks noChangeAspect="1"/>
-          </p:cNvPicPr>
-          <p:nvPr/>
-        </p:nvPicPr>
-        <p:blipFill>
-          <a:blip r:embed="rId2"/>
-          <a:stretch>
-            <a:fillRect/>
-          </a:stretch>
-        </p:blipFill>
-        <p:spPr>
-          <a:xfrm>
-            <a:off x="1970311" y="958821"/>
-            <a:ext cx="10135549" cy="5766909"/>
-          </a:xfrm>
-          <a:prstGeom prst="rect">
-            <a:avLst/>
-          </a:prstGeom>
-        </p:spPr>
-      </p:pic>
-      <p:sp>
-        <p:nvSpPr>
-          <p:cNvPr id="3" name="Subtitle 2"/>
-          <p:cNvSpPr>
-            <a:spLocks noGrp="1"/>
-          </p:cNvSpPr>
-          <p:nvPr>
-            <p:ph type="subTitle" idx="1"/>
-          </p:nvPr>
-        </p:nvSpPr>
-        <p:spPr>
-          <a:xfrm>
-            <a:off x="714895" y="958821"/>
-            <a:ext cx="10706792" cy="5192597"/>
-          </a:xfrm>
-        </p:spPr>
-        <p:txBody>
-          <a:bodyPr>
-            <a:normAutofit/>
-          </a:bodyPr>
-          <a:lstStyle/>
-          <a:p>
-            <a:pPr algn="l"/>
-            <a:r>
-              <a:rPr lang="en-US" b="1" dirty="0">
-                <a:solidFill>
-                  <a:srgbClr val="FF0000"/>
-                </a:solidFill>
-              </a:rPr>
-              <a:t>US Top Ten Cancers Causing Deaths in 2016</a:t>
-            </a:r>
-            <a:endParaRPr lang="en-US" dirty="0">
-              <a:solidFill>
-                <a:srgbClr val="FF0000"/>
-              </a:solidFill>
-              <a:latin typeface="Bodoni MT" panose="02070603080606020203" pitchFamily="18" charset="0"/>
-            </a:endParaRPr>
-          </a:p>
-        </p:txBody>
-      </p:sp>
-      <p:pic>
-        <p:nvPicPr>
-          <p:cNvPr id="6" name="Picture 5">
-            <a:extLst>
-              <a:ext uri="{FF2B5EF4-FFF2-40B4-BE49-F238E27FC236}">
-                <a16:creationId xmlns:a16="http://schemas.microsoft.com/office/drawing/2014/main" id="{BB0897F1-FA7B-40E1-8247-A62F76EB5157}"/>
-              </a:ext>
-            </a:extLst>
-          </p:cNvPr>
-          <p:cNvPicPr>
-            <a:picLocks noChangeAspect="1"/>
-          </p:cNvPicPr>
-          <p:nvPr/>
-        </p:nvPicPr>
-        <p:blipFill>
-          <a:blip r:embed="rId3"/>
-          <a:stretch>
-            <a:fillRect/>
-          </a:stretch>
-        </p:blipFill>
-        <p:spPr>
-          <a:xfrm>
-            <a:off x="1292087" y="2136913"/>
-            <a:ext cx="2144780" cy="2302203"/>
-          </a:xfrm>
-          <a:prstGeom prst="rect">
-            <a:avLst/>
-          </a:prstGeom>
-        </p:spPr>
-      </p:pic>
-    </p:spTree>
-    <p:extLst>
-      <p:ext uri="{BB962C8B-B14F-4D97-AF65-F5344CB8AC3E}">
-        <p14:creationId xmlns:p14="http://schemas.microsoft.com/office/powerpoint/2010/main" val="2559960391"/>
       </p:ext>
     </p:extLst>
   </p:cSld>
@@ -3925,52 +4325,12 @@
           </a:p>
         </p:txBody>
       </p:sp>
-      <p:sp>
-        <p:nvSpPr>
-          <p:cNvPr id="3" name="Subtitle 2"/>
-          <p:cNvSpPr>
-            <a:spLocks noGrp="1"/>
-          </p:cNvSpPr>
-          <p:nvPr>
-            <p:ph type="subTitle" idx="1"/>
-          </p:nvPr>
-        </p:nvSpPr>
-        <p:spPr>
-          <a:xfrm>
-            <a:off x="714895" y="958821"/>
-            <a:ext cx="10706792" cy="5192597"/>
-          </a:xfrm>
-        </p:spPr>
-        <p:txBody>
-          <a:bodyPr>
-            <a:normAutofit/>
-          </a:bodyPr>
-          <a:lstStyle/>
-          <a:p>
-            <a:pPr algn="l"/>
-            <a:r>
-              <a:rPr lang="en-US" b="1" dirty="0">
-                <a:solidFill>
-                  <a:srgbClr val="FF0000"/>
-                </a:solidFill>
-              </a:rPr>
-              <a:t>US Versus Maryland Top Ten Cancers Causing Deaths in 2016</a:t>
-            </a:r>
-            <a:endParaRPr lang="en-US" dirty="0">
-              <a:solidFill>
-                <a:srgbClr val="FF0000"/>
-              </a:solidFill>
-              <a:latin typeface="Bodoni MT" panose="02070603080606020203" pitchFamily="18" charset="0"/>
-            </a:endParaRPr>
-          </a:p>
-        </p:txBody>
-      </p:sp>
       <p:pic>
         <p:nvPicPr>
-          <p:cNvPr id="4" name="Picture 3">
+          <p:cNvPr id="5" name="Picture 4">
             <a:extLst>
               <a:ext uri="{FF2B5EF4-FFF2-40B4-BE49-F238E27FC236}">
-                <a16:creationId xmlns:a16="http://schemas.microsoft.com/office/drawing/2014/main" id="{D0173E32-A56C-49BA-B932-A879B9289ABC}"/>
+                <a16:creationId xmlns:a16="http://schemas.microsoft.com/office/drawing/2014/main" id="{64B06277-7BD6-4F8B-86D0-CFC14A33E38E}"/>
               </a:ext>
             </a:extLst>
           </p:cNvPr>
@@ -3979,21 +4339,62 @@
           </p:cNvPicPr>
           <p:nvPr/>
         </p:nvPicPr>
-        <p:blipFill rotWithShape="1">
+        <p:blipFill>
           <a:blip r:embed="rId2"/>
-          <a:srcRect l="13486" r="15639" b="16018"/>
-          <a:stretch/>
+          <a:stretch>
+            <a:fillRect/>
+          </a:stretch>
         </p:blipFill>
         <p:spPr>
           <a:xfrm>
-            <a:off x="601249" y="2341386"/>
-            <a:ext cx="5936185" cy="4337604"/>
+            <a:off x="1970311" y="958821"/>
+            <a:ext cx="10135549" cy="5766909"/>
           </a:xfrm>
           <a:prstGeom prst="rect">
             <a:avLst/>
           </a:prstGeom>
         </p:spPr>
       </p:pic>
+      <p:sp>
+        <p:nvSpPr>
+          <p:cNvPr id="3" name="Subtitle 2"/>
+          <p:cNvSpPr>
+            <a:spLocks noGrp="1"/>
+          </p:cNvSpPr>
+          <p:nvPr>
+            <p:ph type="subTitle" idx="1"/>
+          </p:nvPr>
+        </p:nvSpPr>
+        <p:spPr>
+          <a:xfrm>
+            <a:off x="714895" y="958821"/>
+            <a:ext cx="10706792" cy="5192597"/>
+          </a:xfrm>
+        </p:spPr>
+        <p:txBody>
+          <a:bodyPr>
+            <a:normAutofit/>
+          </a:bodyPr>
+          <a:lstStyle/>
+          <a:p>
+            <a:pPr algn="l"/>
+            <a:r>
+              <a:rPr lang="en-US" b="1" dirty="0">
+                <a:solidFill>
+                  <a:srgbClr val="FF0000"/>
+                </a:solidFill>
+              </a:rPr>
+              <a:t>US Top Ten Cancers Causing Deaths in 2016</a:t>
+            </a:r>
+            <a:endParaRPr lang="en-US" dirty="0">
+              <a:solidFill>
+                <a:srgbClr val="FF0000"/>
+              </a:solidFill>
+              <a:latin typeface="Bodoni MT" panose="02070603080606020203" pitchFamily="18" charset="0"/>
+            </a:endParaRPr>
+          </a:p>
+        </p:txBody>
+      </p:sp>
       <p:pic>
         <p:nvPicPr>
           <p:cNvPr id="6" name="Picture 5">
@@ -4016,67 +4417,8 @@
         </p:blipFill>
         <p:spPr>
           <a:xfrm>
-            <a:off x="714894" y="1252917"/>
-            <a:ext cx="2144780" cy="2266898"/>
-          </a:xfrm>
-          <a:prstGeom prst="rect">
-            <a:avLst/>
-          </a:prstGeom>
-        </p:spPr>
-      </p:pic>
-      <p:pic>
-        <p:nvPicPr>
-          <p:cNvPr id="7" name="Picture 6">
-            <a:extLst>
-              <a:ext uri="{FF2B5EF4-FFF2-40B4-BE49-F238E27FC236}">
-                <a16:creationId xmlns:a16="http://schemas.microsoft.com/office/drawing/2014/main" id="{72D96EEC-595B-4131-A827-2B3710D10A14}"/>
-              </a:ext>
-            </a:extLst>
-          </p:cNvPr>
-          <p:cNvPicPr>
-            <a:picLocks noChangeAspect="1"/>
-          </p:cNvPicPr>
-          <p:nvPr/>
-        </p:nvPicPr>
-        <p:blipFill rotWithShape="1">
-          <a:blip r:embed="rId4"/>
-          <a:srcRect t="3098" b="10733"/>
-          <a:stretch/>
-        </p:blipFill>
-        <p:spPr>
-          <a:xfrm>
-            <a:off x="6050626" y="2441596"/>
-            <a:ext cx="5857870" cy="4416404"/>
-          </a:xfrm>
-          <a:prstGeom prst="rect">
-            <a:avLst/>
-          </a:prstGeom>
-        </p:spPr>
-      </p:pic>
-      <p:pic>
-        <p:nvPicPr>
-          <p:cNvPr id="8" name="Picture 7">
-            <a:extLst>
-              <a:ext uri="{FF2B5EF4-FFF2-40B4-BE49-F238E27FC236}">
-                <a16:creationId xmlns:a16="http://schemas.microsoft.com/office/drawing/2014/main" id="{AA669409-1031-488D-B25D-387C463D6347}"/>
-              </a:ext>
-            </a:extLst>
-          </p:cNvPr>
-          <p:cNvPicPr>
-            <a:picLocks noChangeAspect="1"/>
-          </p:cNvPicPr>
-          <p:nvPr/>
-        </p:nvPicPr>
-        <p:blipFill>
-          <a:blip r:embed="rId5"/>
-          <a:stretch>
-            <a:fillRect/>
-          </a:stretch>
-        </p:blipFill>
-        <p:spPr>
-          <a:xfrm>
-            <a:off x="10015539" y="795983"/>
-            <a:ext cx="2176461" cy="2359356"/>
+            <a:off x="1292087" y="2136913"/>
+            <a:ext cx="2144780" cy="2302203"/>
           </a:xfrm>
           <a:prstGeom prst="rect">
             <a:avLst/>
@@ -4086,7 +4428,7 @@
     </p:spTree>
     <p:extLst>
       <p:ext uri="{BB962C8B-B14F-4D97-AF65-F5344CB8AC3E}">
-        <p14:creationId xmlns:p14="http://schemas.microsoft.com/office/powerpoint/2010/main" val="2338427749"/>
+        <p14:creationId xmlns:p14="http://schemas.microsoft.com/office/powerpoint/2010/main" val="2559960391"/>
       </p:ext>
     </p:extLst>
   </p:cSld>
@@ -4125,7 +4467,7 @@
         </p:nvSpPr>
         <p:spPr>
           <a:xfrm>
-            <a:off x="714895" y="344076"/>
+            <a:off x="714895" y="368618"/>
             <a:ext cx="10706792" cy="590203"/>
           </a:xfrm>
         </p:spPr>
@@ -4144,6 +4486,46 @@
               </a:rPr>
               <a:t>US Cancer Incidence and Mortality</a:t>
             </a:r>
+          </a:p>
+        </p:txBody>
+      </p:sp>
+      <p:sp>
+        <p:nvSpPr>
+          <p:cNvPr id="3" name="Subtitle 2"/>
+          <p:cNvSpPr>
+            <a:spLocks noGrp="1"/>
+          </p:cNvSpPr>
+          <p:nvPr>
+            <p:ph type="subTitle" idx="1"/>
+          </p:nvPr>
+        </p:nvSpPr>
+        <p:spPr>
+          <a:xfrm>
+            <a:off x="714895" y="958821"/>
+            <a:ext cx="10706792" cy="5192597"/>
+          </a:xfrm>
+        </p:spPr>
+        <p:txBody>
+          <a:bodyPr>
+            <a:normAutofit/>
+          </a:bodyPr>
+          <a:lstStyle/>
+          <a:p>
+            <a:pPr algn="l"/>
+            <a:r>
+              <a:rPr lang="en-US" b="1" dirty="0">
+                <a:solidFill>
+                  <a:srgbClr val="FF0000"/>
+                </a:solidFill>
+              </a:rPr>
+              <a:t>US Versus Maryland Top Ten Cancers Causing Deaths in 2016</a:t>
+            </a:r>
+            <a:endParaRPr lang="en-US" dirty="0">
+              <a:solidFill>
+                <a:srgbClr val="FF0000"/>
+              </a:solidFill>
+              <a:latin typeface="Bodoni MT" panose="02070603080606020203" pitchFamily="18" charset="0"/>
+            </a:endParaRPr>
           </a:p>
         </p:txBody>
       </p:sp>
@@ -4152,7 +4534,36 @@
           <p:cNvPr id="4" name="Picture 3">
             <a:extLst>
               <a:ext uri="{FF2B5EF4-FFF2-40B4-BE49-F238E27FC236}">
-                <a16:creationId xmlns:a16="http://schemas.microsoft.com/office/drawing/2014/main" id="{D3EEB0B0-54B4-4B4A-A4F3-FCE7369C87C2}"/>
+                <a16:creationId xmlns:a16="http://schemas.microsoft.com/office/drawing/2014/main" id="{D0173E32-A56C-49BA-B932-A879B9289ABC}"/>
+              </a:ext>
+            </a:extLst>
+          </p:cNvPr>
+          <p:cNvPicPr>
+            <a:picLocks noChangeAspect="1"/>
+          </p:cNvPicPr>
+          <p:nvPr/>
+        </p:nvPicPr>
+        <p:blipFill rotWithShape="1">
+          <a:blip r:embed="rId2"/>
+          <a:srcRect l="13486" r="15639" b="16018"/>
+          <a:stretch/>
+        </p:blipFill>
+        <p:spPr>
+          <a:xfrm>
+            <a:off x="601249" y="2341386"/>
+            <a:ext cx="5936185" cy="4337604"/>
+          </a:xfrm>
+          <a:prstGeom prst="rect">
+            <a:avLst/>
+          </a:prstGeom>
+        </p:spPr>
+      </p:pic>
+      <p:pic>
+        <p:nvPicPr>
+          <p:cNvPr id="6" name="Picture 5">
+            <a:extLst>
+              <a:ext uri="{FF2B5EF4-FFF2-40B4-BE49-F238E27FC236}">
+                <a16:creationId xmlns:a16="http://schemas.microsoft.com/office/drawing/2014/main" id="{BB0897F1-FA7B-40E1-8247-A62F76EB5157}"/>
               </a:ext>
             </a:extLst>
           </p:cNvPr>
@@ -4162,74 +4573,84 @@
           <p:nvPr/>
         </p:nvPicPr>
         <p:blipFill>
-          <a:blip r:embed="rId2"/>
+          <a:blip r:embed="rId3"/>
           <a:stretch>
             <a:fillRect/>
           </a:stretch>
         </p:blipFill>
         <p:spPr>
           <a:xfrm>
-            <a:off x="1401673" y="1192696"/>
-            <a:ext cx="9388654" cy="5189309"/>
+            <a:off x="714894" y="1252917"/>
+            <a:ext cx="2144780" cy="2266898"/>
           </a:xfrm>
           <a:prstGeom prst="rect">
             <a:avLst/>
           </a:prstGeom>
         </p:spPr>
       </p:pic>
-      <p:sp>
-        <p:nvSpPr>
-          <p:cNvPr id="3" name="Subtitle 2"/>
-          <p:cNvSpPr>
-            <a:spLocks noGrp="1"/>
-          </p:cNvSpPr>
-          <p:nvPr>
-            <p:ph type="subTitle" idx="1"/>
-          </p:nvPr>
-        </p:nvSpPr>
-        <p:spPr>
-          <a:xfrm>
-            <a:off x="714895" y="934280"/>
-            <a:ext cx="10706792" cy="5217140"/>
-          </a:xfrm>
-        </p:spPr>
-        <p:txBody>
-          <a:bodyPr>
-            <a:normAutofit/>
-          </a:bodyPr>
-          <a:lstStyle/>
-          <a:p>
-            <a:pPr algn="l"/>
-            <a:r>
-              <a:rPr lang="en-US" b="1" dirty="0">
-                <a:solidFill>
-                  <a:srgbClr val="FF0000"/>
-                </a:solidFill>
-              </a:rPr>
-              <a:t>US Lung and Bronchus: Cause of Most Cancer Deaths Shown by State</a:t>
-            </a:r>
-            <a:endParaRPr lang="en-US" dirty="0">
-              <a:solidFill>
-                <a:srgbClr val="FF0000"/>
-              </a:solidFill>
-              <a:latin typeface="Bodoni MT" panose="02070603080606020203" pitchFamily="18" charset="0"/>
-            </a:endParaRPr>
-          </a:p>
-          <a:p>
-            <a:pPr algn="l"/>
-            <a:endParaRPr lang="en-US" dirty="0">
-              <a:solidFill>
-                <a:srgbClr val="C00000"/>
-              </a:solidFill>
-              <a:latin typeface="Bodoni MT" panose="02070603080606020203" pitchFamily="18" charset="0"/>
-            </a:endParaRPr>
-          </a:p>
-        </p:txBody>
-      </p:sp>
+      <p:pic>
+        <p:nvPicPr>
+          <p:cNvPr id="7" name="Picture 6">
+            <a:extLst>
+              <a:ext uri="{FF2B5EF4-FFF2-40B4-BE49-F238E27FC236}">
+                <a16:creationId xmlns:a16="http://schemas.microsoft.com/office/drawing/2014/main" id="{72D96EEC-595B-4131-A827-2B3710D10A14}"/>
+              </a:ext>
+            </a:extLst>
+          </p:cNvPr>
+          <p:cNvPicPr>
+            <a:picLocks noChangeAspect="1"/>
+          </p:cNvPicPr>
+          <p:nvPr/>
+        </p:nvPicPr>
+        <p:blipFill rotWithShape="1">
+          <a:blip r:embed="rId4"/>
+          <a:srcRect t="3098" b="10733"/>
+          <a:stretch/>
+        </p:blipFill>
+        <p:spPr>
+          <a:xfrm>
+            <a:off x="6050626" y="2441596"/>
+            <a:ext cx="5857870" cy="4416404"/>
+          </a:xfrm>
+          <a:prstGeom prst="rect">
+            <a:avLst/>
+          </a:prstGeom>
+        </p:spPr>
+      </p:pic>
+      <p:pic>
+        <p:nvPicPr>
+          <p:cNvPr id="8" name="Picture 7">
+            <a:extLst>
+              <a:ext uri="{FF2B5EF4-FFF2-40B4-BE49-F238E27FC236}">
+                <a16:creationId xmlns:a16="http://schemas.microsoft.com/office/drawing/2014/main" id="{AA669409-1031-488D-B25D-387C463D6347}"/>
+              </a:ext>
+            </a:extLst>
+          </p:cNvPr>
+          <p:cNvPicPr>
+            <a:picLocks noChangeAspect="1"/>
+          </p:cNvPicPr>
+          <p:nvPr/>
+        </p:nvPicPr>
+        <p:blipFill>
+          <a:blip r:embed="rId5"/>
+          <a:stretch>
+            <a:fillRect/>
+          </a:stretch>
+        </p:blipFill>
+        <p:spPr>
+          <a:xfrm>
+            <a:off x="10015539" y="795983"/>
+            <a:ext cx="2176461" cy="2359356"/>
+          </a:xfrm>
+          <a:prstGeom prst="rect">
+            <a:avLst/>
+          </a:prstGeom>
+        </p:spPr>
+      </p:pic>
     </p:spTree>
     <p:extLst>
       <p:ext uri="{BB962C8B-B14F-4D97-AF65-F5344CB8AC3E}">
-        <p14:creationId xmlns:p14="http://schemas.microsoft.com/office/powerpoint/2010/main" val="1590391527"/>
+        <p14:creationId xmlns:p14="http://schemas.microsoft.com/office/powerpoint/2010/main" val="2338427749"/>
       </p:ext>
     </p:extLst>
   </p:cSld>
@@ -4268,7 +4689,7 @@
         </p:nvSpPr>
         <p:spPr>
           <a:xfrm>
-            <a:off x="714895" y="362056"/>
+            <a:off x="714895" y="344076"/>
             <a:ext cx="10706792" cy="590203"/>
           </a:xfrm>
         </p:spPr>
@@ -4290,61 +4711,12 @@
           </a:p>
         </p:txBody>
       </p:sp>
-      <p:sp>
-        <p:nvSpPr>
-          <p:cNvPr id="3" name="Subtitle 2"/>
-          <p:cNvSpPr>
-            <a:spLocks noGrp="1"/>
-          </p:cNvSpPr>
-          <p:nvPr>
-            <p:ph type="subTitle" idx="1"/>
-          </p:nvPr>
-        </p:nvSpPr>
-        <p:spPr>
-          <a:xfrm>
-            <a:off x="714895" y="854766"/>
-            <a:ext cx="10706792" cy="5296654"/>
-          </a:xfrm>
-        </p:spPr>
-        <p:txBody>
-          <a:bodyPr>
-            <a:normAutofit/>
-          </a:bodyPr>
-          <a:lstStyle/>
-          <a:p>
-            <a:pPr algn="l"/>
-            <a:r>
-              <a:rPr lang="en-US" b="1" dirty="0">
-                <a:solidFill>
-                  <a:srgbClr val="FF0000"/>
-                </a:solidFill>
-              </a:rPr>
-              <a:t>US Lung and Bronchus: Cause of Most Cancer Deaths Shown by State</a:t>
-            </a:r>
-            <a:endParaRPr lang="en-US" dirty="0">
-              <a:solidFill>
-                <a:srgbClr val="FF0000"/>
-              </a:solidFill>
-              <a:latin typeface="Bodoni MT" panose="02070603080606020203" pitchFamily="18" charset="0"/>
-            </a:endParaRPr>
-          </a:p>
-          <a:p>
-            <a:pPr algn="l"/>
-            <a:endParaRPr lang="en-US" dirty="0">
-              <a:solidFill>
-                <a:srgbClr val="C00000"/>
-              </a:solidFill>
-              <a:latin typeface="Bodoni MT" panose="02070603080606020203" pitchFamily="18" charset="0"/>
-            </a:endParaRPr>
-          </a:p>
-        </p:txBody>
-      </p:sp>
       <p:pic>
         <p:nvPicPr>
-          <p:cNvPr id="7" name="Picture 6">
+          <p:cNvPr id="4" name="Picture 3">
             <a:extLst>
               <a:ext uri="{FF2B5EF4-FFF2-40B4-BE49-F238E27FC236}">
-                <a16:creationId xmlns:a16="http://schemas.microsoft.com/office/drawing/2014/main" id="{16135160-2B30-42DE-87F1-8D10A1A923C8}"/>
+                <a16:creationId xmlns:a16="http://schemas.microsoft.com/office/drawing/2014/main" id="{D3EEB0B0-54B4-4B4A-A4F3-FCE7369C87C2}"/>
               </a:ext>
             </a:extLst>
           </p:cNvPr>
@@ -4361,18 +4733,67 @@
         </p:blipFill>
         <p:spPr>
           <a:xfrm>
-            <a:off x="1510748" y="1232451"/>
-            <a:ext cx="9163878" cy="5092399"/>
+            <a:off x="1401673" y="1192696"/>
+            <a:ext cx="9388654" cy="5189309"/>
           </a:xfrm>
           <a:prstGeom prst="rect">
             <a:avLst/>
           </a:prstGeom>
         </p:spPr>
       </p:pic>
+      <p:sp>
+        <p:nvSpPr>
+          <p:cNvPr id="3" name="Subtitle 2"/>
+          <p:cNvSpPr>
+            <a:spLocks noGrp="1"/>
+          </p:cNvSpPr>
+          <p:nvPr>
+            <p:ph type="subTitle" idx="1"/>
+          </p:nvPr>
+        </p:nvSpPr>
+        <p:spPr>
+          <a:xfrm>
+            <a:off x="714895" y="934280"/>
+            <a:ext cx="10706792" cy="5217140"/>
+          </a:xfrm>
+        </p:spPr>
+        <p:txBody>
+          <a:bodyPr>
+            <a:normAutofit/>
+          </a:bodyPr>
+          <a:lstStyle/>
+          <a:p>
+            <a:pPr algn="l"/>
+            <a:r>
+              <a:rPr lang="en-US" b="1" dirty="0">
+                <a:solidFill>
+                  <a:srgbClr val="FF0000"/>
+                </a:solidFill>
+              </a:rPr>
+              <a:t>US Lung and Bronchus: Cause of Most Cancer Deaths Shown by State</a:t>
+            </a:r>
+            <a:endParaRPr lang="en-US" dirty="0">
+              <a:solidFill>
+                <a:srgbClr val="FF0000"/>
+              </a:solidFill>
+              <a:latin typeface="Bodoni MT" panose="02070603080606020203" pitchFamily="18" charset="0"/>
+            </a:endParaRPr>
+          </a:p>
+          <a:p>
+            <a:pPr algn="l"/>
+            <a:endParaRPr lang="en-US" dirty="0">
+              <a:solidFill>
+                <a:srgbClr val="C00000"/>
+              </a:solidFill>
+              <a:latin typeface="Bodoni MT" panose="02070603080606020203" pitchFamily="18" charset="0"/>
+            </a:endParaRPr>
+          </a:p>
+        </p:txBody>
+      </p:sp>
     </p:spTree>
     <p:extLst>
       <p:ext uri="{BB962C8B-B14F-4D97-AF65-F5344CB8AC3E}">
-        <p14:creationId xmlns:p14="http://schemas.microsoft.com/office/powerpoint/2010/main" val="3375082794"/>
+        <p14:creationId xmlns:p14="http://schemas.microsoft.com/office/powerpoint/2010/main" val="1590391527"/>
       </p:ext>
     </p:extLst>
   </p:cSld>
@@ -4411,7 +4832,7 @@
         </p:nvSpPr>
         <p:spPr>
           <a:xfrm>
-            <a:off x="714895" y="412968"/>
+            <a:off x="714895" y="362056"/>
             <a:ext cx="10706792" cy="590203"/>
           </a:xfrm>
         </p:spPr>
@@ -4445,8 +4866,8 @@
         </p:nvSpPr>
         <p:spPr>
           <a:xfrm>
-            <a:off x="714895" y="1065801"/>
-            <a:ext cx="10706792" cy="5085618"/>
+            <a:off x="714895" y="854766"/>
+            <a:ext cx="10706792" cy="5296654"/>
           </a:xfrm>
         </p:spPr>
         <p:txBody>
@@ -4457,14 +4878,19 @@
           <a:p>
             <a:pPr algn="l"/>
             <a:r>
-              <a:rPr lang="en-US" dirty="0">
-                <a:solidFill>
-                  <a:srgbClr val="C00000"/>
-                </a:solidFill>
-                <a:latin typeface="Bodoni MT" panose="02070603080606020203" pitchFamily="18" charset="0"/>
-              </a:rPr>
-              <a:t>Compare Top Ten Cancers for Alabama, Alaska, and Arizona</a:t>
-            </a:r>
+              <a:rPr lang="en-US" b="1" dirty="0">
+                <a:solidFill>
+                  <a:srgbClr val="FF0000"/>
+                </a:solidFill>
+              </a:rPr>
+              <a:t>US Lung and Bronchus: Cause of Most Cancer Deaths Shown by State</a:t>
+            </a:r>
+            <a:endParaRPr lang="en-US" dirty="0">
+              <a:solidFill>
+                <a:srgbClr val="FF0000"/>
+              </a:solidFill>
+              <a:latin typeface="Bodoni MT" panose="02070603080606020203" pitchFamily="18" charset="0"/>
+            </a:endParaRPr>
           </a:p>
           <a:p>
             <a:pPr algn="l"/>
@@ -4479,7 +4905,13 @@
       </p:sp>
       <p:pic>
         <p:nvPicPr>
-          <p:cNvPr id="4" name="Picture 3"/>
+          <p:cNvPr id="7" name="Picture 6">
+            <a:extLst>
+              <a:ext uri="{FF2B5EF4-FFF2-40B4-BE49-F238E27FC236}">
+                <a16:creationId xmlns:a16="http://schemas.microsoft.com/office/drawing/2014/main" id="{16135160-2B30-42DE-87F1-8D10A1A923C8}"/>
+              </a:ext>
+            </a:extLst>
+          </p:cNvPr>
           <p:cNvPicPr>
             <a:picLocks noChangeAspect="1"/>
           </p:cNvPicPr>
@@ -4493,8 +4925,8 @@
         </p:blipFill>
         <p:spPr>
           <a:xfrm>
-            <a:off x="1625600" y="1634066"/>
-            <a:ext cx="8678333" cy="5020733"/>
+            <a:off x="1510748" y="1232451"/>
+            <a:ext cx="9163878" cy="5092399"/>
           </a:xfrm>
           <a:prstGeom prst="rect">
             <a:avLst/>
@@ -4504,7 +4936,7 @@
     </p:spTree>
     <p:extLst>
       <p:ext uri="{BB962C8B-B14F-4D97-AF65-F5344CB8AC3E}">
-        <p14:creationId xmlns:p14="http://schemas.microsoft.com/office/powerpoint/2010/main" val="4063858725"/>
+        <p14:creationId xmlns:p14="http://schemas.microsoft.com/office/powerpoint/2010/main" val="3375082794"/>
       </p:ext>
     </p:extLst>
   </p:cSld>
